--- a/document/LSTA/160716053_DanielBualaKristoZalukhu_PPT.pptx
+++ b/document/LSTA/160716053_DanielBualaKristoZalukhu_PPT.pptx
@@ -8825,7 +8825,7 @@
           <a:p>
             <a:fld id="{7DC77CA3-9AF3-4BE8-B266-CA4BA6C39EB5}" type="datetimeFigureOut">
               <a:rPr lang="en-US" smtClean="0"/>
-              <a:t>6/22/2020</a:t>
+              <a:t>6/28/2020</a:t>
             </a:fld>
             <a:endParaRPr lang="en-US"/>
           </a:p>
@@ -9265,7 +9265,7 @@
           <a:p>
             <a:fld id="{5F99840B-E1A0-4B53-BA95-4697CB18CCDE}" type="datetimeFigureOut">
               <a:rPr lang="en-US" smtClean="0"/>
-              <a:t>6/22/2020</a:t>
+              <a:t>6/28/2020</a:t>
             </a:fld>
             <a:endParaRPr lang="en-US"/>
           </a:p>
@@ -9595,7 +9595,7 @@
           <a:p>
             <a:fld id="{5F99840B-E1A0-4B53-BA95-4697CB18CCDE}" type="datetimeFigureOut">
               <a:rPr lang="en-US" smtClean="0"/>
-              <a:t>6/22/2020</a:t>
+              <a:t>6/28/2020</a:t>
             </a:fld>
             <a:endParaRPr lang="en-US"/>
           </a:p>
@@ -9775,7 +9775,7 @@
           <a:p>
             <a:fld id="{5F99840B-E1A0-4B53-BA95-4697CB18CCDE}" type="datetimeFigureOut">
               <a:rPr lang="en-US" smtClean="0"/>
-              <a:t>6/22/2020</a:t>
+              <a:t>6/28/2020</a:t>
             </a:fld>
             <a:endParaRPr lang="en-US"/>
           </a:p>
@@ -9945,7 +9945,7 @@
           <a:p>
             <a:fld id="{5F99840B-E1A0-4B53-BA95-4697CB18CCDE}" type="datetimeFigureOut">
               <a:rPr lang="en-US" smtClean="0"/>
-              <a:t>6/22/2020</a:t>
+              <a:t>6/28/2020</a:t>
             </a:fld>
             <a:endParaRPr lang="en-US"/>
           </a:p>
@@ -10222,7 +10222,7 @@
           <a:p>
             <a:fld id="{5F99840B-E1A0-4B53-BA95-4697CB18CCDE}" type="datetimeFigureOut">
               <a:rPr lang="en-US" smtClean="0"/>
-              <a:t>6/22/2020</a:t>
+              <a:t>6/28/2020</a:t>
             </a:fld>
             <a:endParaRPr lang="en-US"/>
           </a:p>
@@ -10616,7 +10616,7 @@
           <a:p>
             <a:fld id="{5F99840B-E1A0-4B53-BA95-4697CB18CCDE}" type="datetimeFigureOut">
               <a:rPr lang="en-US" smtClean="0"/>
-              <a:t>6/22/2020</a:t>
+              <a:t>6/28/2020</a:t>
             </a:fld>
             <a:endParaRPr lang="en-US"/>
           </a:p>
@@ -11093,7 +11093,7 @@
           <a:p>
             <a:fld id="{5F99840B-E1A0-4B53-BA95-4697CB18CCDE}" type="datetimeFigureOut">
               <a:rPr lang="en-US" smtClean="0"/>
-              <a:t>6/22/2020</a:t>
+              <a:t>6/28/2020</a:t>
             </a:fld>
             <a:endParaRPr lang="en-US"/>
           </a:p>
@@ -11211,7 +11211,7 @@
           <a:p>
             <a:fld id="{5F99840B-E1A0-4B53-BA95-4697CB18CCDE}" type="datetimeFigureOut">
               <a:rPr lang="en-US" smtClean="0"/>
-              <a:t>6/22/2020</a:t>
+              <a:t>6/28/2020</a:t>
             </a:fld>
             <a:endParaRPr lang="en-US"/>
           </a:p>
@@ -11306,7 +11306,7 @@
           <a:p>
             <a:fld id="{5F99840B-E1A0-4B53-BA95-4697CB18CCDE}" type="datetimeFigureOut">
               <a:rPr lang="en-US" smtClean="0"/>
-              <a:t>6/22/2020</a:t>
+              <a:t>6/28/2020</a:t>
             </a:fld>
             <a:endParaRPr lang="en-US"/>
           </a:p>
@@ -11652,7 +11652,7 @@
           <a:p>
             <a:fld id="{5F99840B-E1A0-4B53-BA95-4697CB18CCDE}" type="datetimeFigureOut">
               <a:rPr lang="en-US" smtClean="0"/>
-              <a:t>6/22/2020</a:t>
+              <a:t>6/28/2020</a:t>
             </a:fld>
             <a:endParaRPr lang="en-US"/>
           </a:p>
@@ -12040,7 +12040,7 @@
           <a:p>
             <a:fld id="{5F99840B-E1A0-4B53-BA95-4697CB18CCDE}" type="datetimeFigureOut">
               <a:rPr lang="en-US" smtClean="0"/>
-              <a:t>6/22/2020</a:t>
+              <a:t>6/28/2020</a:t>
             </a:fld>
             <a:endParaRPr lang="en-US"/>
           </a:p>
@@ -12318,7 +12318,7 @@
           <a:p>
             <a:fld id="{5F99840B-E1A0-4B53-BA95-4697CB18CCDE}" type="datetimeFigureOut">
               <a:rPr lang="en-US" smtClean="0"/>
-              <a:t>6/22/2020</a:t>
+              <a:t>6/28/2020</a:t>
             </a:fld>
             <a:endParaRPr lang="en-US"/>
           </a:p>
@@ -13074,21 +13074,42 @@
           </a:p>
         </p:txBody>
       </p:sp>
-      <p:pic>
-        <p:nvPicPr>
-          <p:cNvPr id="5" name="Content Placeholder 4" descr="A close up of a map&#10;&#10;Description automatically generated">
+      <p:sp>
+        <p:nvSpPr>
+          <p:cNvPr id="4" name="Content Placeholder 3">
             <a:extLst>
               <a:ext uri="{FF2B5EF4-FFF2-40B4-BE49-F238E27FC236}">
-                <a16:creationId xmlns:a16="http://schemas.microsoft.com/office/drawing/2014/main" id="{8F6DF32A-5080-40CA-93BE-289665CFB20D}"/>
+                <a16:creationId xmlns:a16="http://schemas.microsoft.com/office/drawing/2014/main" id="{91E5153D-5D07-407F-87E7-908C567FD9AD}"/>
               </a:ext>
             </a:extLst>
           </p:cNvPr>
-          <p:cNvPicPr>
-            <a:picLocks noGrp="1" noChangeAspect="1"/>
-          </p:cNvPicPr>
+          <p:cNvSpPr>
+            <a:spLocks noGrp="1"/>
+          </p:cNvSpPr>
           <p:nvPr>
             <p:ph idx="1"/>
           </p:nvPr>
+        </p:nvSpPr>
+        <p:spPr/>
+        <p:txBody>
+          <a:bodyPr/>
+          <a:lstStyle/>
+          <a:p>
+            <a:endParaRPr lang="en-ID"/>
+          </a:p>
+        </p:txBody>
+      </p:sp>
+      <p:pic>
+        <p:nvPicPr>
+          <p:cNvPr id="6" name="Picture 5">
+            <a:extLst>
+              <a:ext uri="{FF2B5EF4-FFF2-40B4-BE49-F238E27FC236}">
+                <a16:creationId xmlns:a16="http://schemas.microsoft.com/office/drawing/2014/main" id="{1FF39703-D794-406A-A874-48A11F6751FF}"/>
+              </a:ext>
+            </a:extLst>
+          </p:cNvPr>
+          <p:cNvPicPr/>
+          <p:nvPr/>
         </p:nvPicPr>
         <p:blipFill>
           <a:blip r:embed="rId2">
@@ -13104,9 +13125,17 @@
         </p:blipFill>
         <p:spPr>
           <a:xfrm>
-            <a:off x="2079522" y="866970"/>
-            <a:ext cx="8568813" cy="5755055"/>
+            <a:off x="1727200" y="855406"/>
+            <a:ext cx="9486900" cy="5532694"/>
           </a:xfrm>
+          <a:prstGeom prst="rect">
+            <a:avLst/>
+          </a:prstGeom>
+          <a:ln>
+            <a:solidFill>
+              <a:schemeClr val="tx1"/>
+            </a:solidFill>
+          </a:ln>
         </p:spPr>
       </p:pic>
     </p:spTree>

--- a/document/LSTA/160716053_DanielBualaKristoZalukhu_PPT.pptx
+++ b/document/LSTA/160716053_DanielBualaKristoZalukhu_PPT.pptx
@@ -5,7 +5,7 @@
     <p:sldMasterId id="2147483672" r:id="rId1"/>
   </p:sldMasterIdLst>
   <p:notesMasterIdLst>
-    <p:notesMasterId r:id="rId28"/>
+    <p:notesMasterId r:id="rId29"/>
   </p:notesMasterIdLst>
   <p:sldIdLst>
     <p:sldId id="256" r:id="rId2"/>
@@ -33,7 +33,8 @@
     <p:sldId id="280" r:id="rId24"/>
     <p:sldId id="281" r:id="rId25"/>
     <p:sldId id="282" r:id="rId26"/>
-    <p:sldId id="271" r:id="rId27"/>
+    <p:sldId id="286" r:id="rId27"/>
+    <p:sldId id="271" r:id="rId28"/>
   </p:sldIdLst>
   <p:sldSz cx="12192000" cy="6858000"/>
   <p:notesSz cx="6858000" cy="9144000"/>
@@ -8825,7 +8826,7 @@
           <a:p>
             <a:fld id="{7DC77CA3-9AF3-4BE8-B266-CA4BA6C39EB5}" type="datetimeFigureOut">
               <a:rPr lang="en-US" smtClean="0"/>
-              <a:t>6/28/2020</a:t>
+              <a:t>6/29/2020</a:t>
             </a:fld>
             <a:endParaRPr lang="en-US"/>
           </a:p>
@@ -9265,7 +9266,7 @@
           <a:p>
             <a:fld id="{5F99840B-E1A0-4B53-BA95-4697CB18CCDE}" type="datetimeFigureOut">
               <a:rPr lang="en-US" smtClean="0"/>
-              <a:t>6/28/2020</a:t>
+              <a:t>6/29/2020</a:t>
             </a:fld>
             <a:endParaRPr lang="en-US"/>
           </a:p>
@@ -9595,7 +9596,7 @@
           <a:p>
             <a:fld id="{5F99840B-E1A0-4B53-BA95-4697CB18CCDE}" type="datetimeFigureOut">
               <a:rPr lang="en-US" smtClean="0"/>
-              <a:t>6/28/2020</a:t>
+              <a:t>6/29/2020</a:t>
             </a:fld>
             <a:endParaRPr lang="en-US"/>
           </a:p>
@@ -9775,7 +9776,7 @@
           <a:p>
             <a:fld id="{5F99840B-E1A0-4B53-BA95-4697CB18CCDE}" type="datetimeFigureOut">
               <a:rPr lang="en-US" smtClean="0"/>
-              <a:t>6/28/2020</a:t>
+              <a:t>6/29/2020</a:t>
             </a:fld>
             <a:endParaRPr lang="en-US"/>
           </a:p>
@@ -9945,7 +9946,7 @@
           <a:p>
             <a:fld id="{5F99840B-E1A0-4B53-BA95-4697CB18CCDE}" type="datetimeFigureOut">
               <a:rPr lang="en-US" smtClean="0"/>
-              <a:t>6/28/2020</a:t>
+              <a:t>6/29/2020</a:t>
             </a:fld>
             <a:endParaRPr lang="en-US"/>
           </a:p>
@@ -10222,7 +10223,7 @@
           <a:p>
             <a:fld id="{5F99840B-E1A0-4B53-BA95-4697CB18CCDE}" type="datetimeFigureOut">
               <a:rPr lang="en-US" smtClean="0"/>
-              <a:t>6/28/2020</a:t>
+              <a:t>6/29/2020</a:t>
             </a:fld>
             <a:endParaRPr lang="en-US"/>
           </a:p>
@@ -10616,7 +10617,7 @@
           <a:p>
             <a:fld id="{5F99840B-E1A0-4B53-BA95-4697CB18CCDE}" type="datetimeFigureOut">
               <a:rPr lang="en-US" smtClean="0"/>
-              <a:t>6/28/2020</a:t>
+              <a:t>6/29/2020</a:t>
             </a:fld>
             <a:endParaRPr lang="en-US"/>
           </a:p>
@@ -11093,7 +11094,7 @@
           <a:p>
             <a:fld id="{5F99840B-E1A0-4B53-BA95-4697CB18CCDE}" type="datetimeFigureOut">
               <a:rPr lang="en-US" smtClean="0"/>
-              <a:t>6/28/2020</a:t>
+              <a:t>6/29/2020</a:t>
             </a:fld>
             <a:endParaRPr lang="en-US"/>
           </a:p>
@@ -11211,7 +11212,7 @@
           <a:p>
             <a:fld id="{5F99840B-E1A0-4B53-BA95-4697CB18CCDE}" type="datetimeFigureOut">
               <a:rPr lang="en-US" smtClean="0"/>
-              <a:t>6/28/2020</a:t>
+              <a:t>6/29/2020</a:t>
             </a:fld>
             <a:endParaRPr lang="en-US"/>
           </a:p>
@@ -11306,7 +11307,7 @@
           <a:p>
             <a:fld id="{5F99840B-E1A0-4B53-BA95-4697CB18CCDE}" type="datetimeFigureOut">
               <a:rPr lang="en-US" smtClean="0"/>
-              <a:t>6/28/2020</a:t>
+              <a:t>6/29/2020</a:t>
             </a:fld>
             <a:endParaRPr lang="en-US"/>
           </a:p>
@@ -11652,7 +11653,7 @@
           <a:p>
             <a:fld id="{5F99840B-E1A0-4B53-BA95-4697CB18CCDE}" type="datetimeFigureOut">
               <a:rPr lang="en-US" smtClean="0"/>
-              <a:t>6/28/2020</a:t>
+              <a:t>6/29/2020</a:t>
             </a:fld>
             <a:endParaRPr lang="en-US"/>
           </a:p>
@@ -12040,7 +12041,7 @@
           <a:p>
             <a:fld id="{5F99840B-E1A0-4B53-BA95-4697CB18CCDE}" type="datetimeFigureOut">
               <a:rPr lang="en-US" smtClean="0"/>
-              <a:t>6/28/2020</a:t>
+              <a:t>6/29/2020</a:t>
             </a:fld>
             <a:endParaRPr lang="en-US"/>
           </a:p>
@@ -12318,7 +12319,7 @@
           <a:p>
             <a:fld id="{5F99840B-E1A0-4B53-BA95-4697CB18CCDE}" type="datetimeFigureOut">
               <a:rPr lang="en-US" smtClean="0"/>
-              <a:t>6/28/2020</a:t>
+              <a:t>6/29/2020</a:t>
             </a:fld>
             <a:endParaRPr lang="en-US"/>
           </a:p>
@@ -13126,7 +13127,7 @@
         <p:spPr>
           <a:xfrm>
             <a:off x="1727200" y="855406"/>
-            <a:ext cx="9486900" cy="5532694"/>
+            <a:ext cx="9486900" cy="5619136"/>
           </a:xfrm>
           <a:prstGeom prst="rect">
             <a:avLst/>
@@ -13621,7 +13622,7 @@
           <a:lstStyle/>
           <a:p>
             <a:r>
-              <a:rPr lang="en-US" dirty="0"/>
+              <a:rPr lang="en-US"/>
               <a:t>BPMN PROSES SISWA</a:t>
             </a:r>
             <a:endParaRPr lang="en-ID" dirty="0"/>
@@ -13630,19 +13631,17 @@
       </p:sp>
       <p:pic>
         <p:nvPicPr>
-          <p:cNvPr id="5" name="Content Placeholder 4">
+          <p:cNvPr id="4" name="Picture 3" descr="A close up of a map&#10;&#10;Description automatically generated">
             <a:extLst>
               <a:ext uri="{FF2B5EF4-FFF2-40B4-BE49-F238E27FC236}">
-                <a16:creationId xmlns:a16="http://schemas.microsoft.com/office/drawing/2014/main" id="{8F6DF32A-5080-40CA-93BE-289665CFB20D}"/>
+                <a16:creationId xmlns:a16="http://schemas.microsoft.com/office/drawing/2014/main" id="{69A13632-9EAD-413C-9F67-B708FAAE745E}"/>
               </a:ext>
             </a:extLst>
           </p:cNvPr>
           <p:cNvPicPr>
-            <a:picLocks noGrp="1" noChangeAspect="1"/>
+            <a:picLocks noChangeAspect="1"/>
           </p:cNvPicPr>
-          <p:nvPr>
-            <p:ph idx="1"/>
-          </p:nvPr>
+          <p:nvPr/>
         </p:nvPicPr>
         <p:blipFill>
           <a:blip r:embed="rId2">
@@ -13652,14 +13651,18 @@
               </a:ext>
             </a:extLst>
           </a:blip>
-          <a:srcRect/>
-          <a:stretch/>
+          <a:stretch>
+            <a:fillRect/>
+          </a:stretch>
         </p:blipFill>
         <p:spPr>
           <a:xfrm>
-            <a:off x="2351812" y="866970"/>
-            <a:ext cx="8024233" cy="5755055"/>
+            <a:off x="2671821" y="990600"/>
+            <a:ext cx="7834721" cy="5619135"/>
           </a:xfrm>
+          <a:prstGeom prst="rect">
+            <a:avLst/>
+          </a:prstGeom>
         </p:spPr>
       </p:pic>
     </p:spTree>
@@ -13799,6 +13802,74 @@
           </a:prstGeom>
         </p:spPr>
       </p:pic>
+      <p:sp>
+        <p:nvSpPr>
+          <p:cNvPr id="3" name="Rectangle 2">
+            <a:extLst>
+              <a:ext uri="{FF2B5EF4-FFF2-40B4-BE49-F238E27FC236}">
+                <a16:creationId xmlns:a16="http://schemas.microsoft.com/office/drawing/2014/main" id="{42884A25-052E-413F-86E7-43FD04F9C22D}"/>
+              </a:ext>
+            </a:extLst>
+          </p:cNvPr>
+          <p:cNvSpPr/>
+          <p:nvPr/>
+        </p:nvSpPr>
+        <p:spPr>
+          <a:xfrm>
+            <a:off x="1221857" y="5652318"/>
+            <a:ext cx="3573799" cy="369332"/>
+          </a:xfrm>
+          <a:prstGeom prst="rect">
+            <a:avLst/>
+          </a:prstGeom>
+        </p:spPr>
+        <p:txBody>
+          <a:bodyPr wrap="none">
+            <a:spAutoFit/>
+          </a:bodyPr>
+          <a:lstStyle/>
+          <a:p>
+            <a:r>
+              <a:rPr lang="en-US" dirty="0"/>
+              <a:t>GAMBAR 1 HALAMAN DASHBOARD</a:t>
+            </a:r>
+          </a:p>
+        </p:txBody>
+      </p:sp>
+      <p:sp>
+        <p:nvSpPr>
+          <p:cNvPr id="6" name="Rectangle 5">
+            <a:extLst>
+              <a:ext uri="{FF2B5EF4-FFF2-40B4-BE49-F238E27FC236}">
+                <a16:creationId xmlns:a16="http://schemas.microsoft.com/office/drawing/2014/main" id="{D547A05A-F3A7-4E60-A245-E9BA08D7A14A}"/>
+              </a:ext>
+            </a:extLst>
+          </p:cNvPr>
+          <p:cNvSpPr/>
+          <p:nvPr/>
+        </p:nvSpPr>
+        <p:spPr>
+          <a:xfrm>
+            <a:off x="7111379" y="5648941"/>
+            <a:ext cx="3159583" cy="369332"/>
+          </a:xfrm>
+          <a:prstGeom prst="rect">
+            <a:avLst/>
+          </a:prstGeom>
+        </p:spPr>
+        <p:txBody>
+          <a:bodyPr wrap="none">
+            <a:spAutoFit/>
+          </a:bodyPr>
+          <a:lstStyle/>
+          <a:p>
+            <a:r>
+              <a:rPr lang="en-US" dirty="0"/>
+              <a:t>GAMBAR 2 HALAMAN PROFILE</a:t>
+            </a:r>
+          </a:p>
+        </p:txBody>
+      </p:sp>
     </p:spTree>
     <p:extLst>
       <p:ext uri="{BB962C8B-B14F-4D97-AF65-F5344CB8AC3E}">
@@ -13893,7 +13964,7 @@
         </p:blipFill>
         <p:spPr>
           <a:xfrm>
-            <a:off x="1219200" y="2171700"/>
+            <a:off x="1242557" y="1981503"/>
             <a:ext cx="4779863" cy="3581400"/>
           </a:xfrm>
         </p:spPr>
@@ -13926,7 +13997,7 @@
         </p:blipFill>
         <p:spPr>
           <a:xfrm>
-            <a:off x="6916993" y="2171700"/>
+            <a:off x="6916993" y="2024220"/>
             <a:ext cx="4779863" cy="3581400"/>
           </a:xfrm>
           <a:prstGeom prst="rect">
@@ -13986,6 +14057,74 @@
               <a:t>DAFTAR MAPEL</a:t>
             </a:r>
             <a:endParaRPr lang="en-ID" dirty="0"/>
+          </a:p>
+        </p:txBody>
+      </p:sp>
+      <p:sp>
+        <p:nvSpPr>
+          <p:cNvPr id="6" name="Rectangle 5">
+            <a:extLst>
+              <a:ext uri="{FF2B5EF4-FFF2-40B4-BE49-F238E27FC236}">
+                <a16:creationId xmlns:a16="http://schemas.microsoft.com/office/drawing/2014/main" id="{32D54507-C3F7-461D-B8E8-9A0E32AA5E79}"/>
+              </a:ext>
+            </a:extLst>
+          </p:cNvPr>
+          <p:cNvSpPr/>
+          <p:nvPr/>
+        </p:nvSpPr>
+        <p:spPr>
+          <a:xfrm>
+            <a:off x="1822231" y="5919019"/>
+            <a:ext cx="3738652" cy="369332"/>
+          </a:xfrm>
+          <a:prstGeom prst="rect">
+            <a:avLst/>
+          </a:prstGeom>
+        </p:spPr>
+        <p:txBody>
+          <a:bodyPr wrap="none">
+            <a:spAutoFit/>
+          </a:bodyPr>
+          <a:lstStyle/>
+          <a:p>
+            <a:r>
+              <a:rPr lang="en-US" dirty="0"/>
+              <a:t>GAMBAR 3 HALAMAN DETAIL MAPEL</a:t>
+            </a:r>
+          </a:p>
+        </p:txBody>
+      </p:sp>
+      <p:sp>
+        <p:nvSpPr>
+          <p:cNvPr id="9" name="Rectangle 8">
+            <a:extLst>
+              <a:ext uri="{FF2B5EF4-FFF2-40B4-BE49-F238E27FC236}">
+                <a16:creationId xmlns:a16="http://schemas.microsoft.com/office/drawing/2014/main" id="{A372190A-41DC-41E3-BF17-C282EEBADEFD}"/>
+              </a:ext>
+            </a:extLst>
+          </p:cNvPr>
+          <p:cNvSpPr/>
+          <p:nvPr/>
+        </p:nvSpPr>
+        <p:spPr>
+          <a:xfrm>
+            <a:off x="7430841" y="5919019"/>
+            <a:ext cx="3817392" cy="369332"/>
+          </a:xfrm>
+          <a:prstGeom prst="rect">
+            <a:avLst/>
+          </a:prstGeom>
+        </p:spPr>
+        <p:txBody>
+          <a:bodyPr wrap="none">
+            <a:spAutoFit/>
+          </a:bodyPr>
+          <a:lstStyle/>
+          <a:p>
+            <a:r>
+              <a:rPr lang="en-US" dirty="0"/>
+              <a:t>GAMBAR 4 HALAMAN DAFTAR MAPEL</a:t>
+            </a:r>
           </a:p>
         </p:txBody>
       </p:sp>
@@ -14153,7 +14292,7 @@
           </a:bodyPr>
           <a:lstStyle/>
           <a:p>
-            <a:endParaRPr lang="en-US" sz="1500"/>
+            <a:endParaRPr lang="en-US" sz="1500" dirty="0"/>
           </a:p>
         </p:txBody>
       </p:sp>
@@ -14248,6 +14387,40 @@
           </a:prstGeom>
         </p:spPr>
       </p:pic>
+      <p:sp>
+        <p:nvSpPr>
+          <p:cNvPr id="7" name="Rectangle 6">
+            <a:extLst>
+              <a:ext uri="{FF2B5EF4-FFF2-40B4-BE49-F238E27FC236}">
+                <a16:creationId xmlns:a16="http://schemas.microsoft.com/office/drawing/2014/main" id="{AEB8AD43-1C41-4064-9CB3-A8F1D9900D77}"/>
+              </a:ext>
+            </a:extLst>
+          </p:cNvPr>
+          <p:cNvSpPr/>
+          <p:nvPr/>
+        </p:nvSpPr>
+        <p:spPr>
+          <a:xfrm>
+            <a:off x="5956663" y="5868182"/>
+            <a:ext cx="5942974" cy="369332"/>
+          </a:xfrm>
+          <a:prstGeom prst="rect">
+            <a:avLst/>
+          </a:prstGeom>
+        </p:spPr>
+        <p:txBody>
+          <a:bodyPr wrap="none">
+            <a:spAutoFit/>
+          </a:bodyPr>
+          <a:lstStyle/>
+          <a:p>
+            <a:r>
+              <a:rPr lang="en-US" dirty="0"/>
+              <a:t>GAMBAR 5 HALAMAN LAPORAN KETIDAKTUNTASAN MAPEL</a:t>
+            </a:r>
+          </a:p>
+        </p:txBody>
+      </p:sp>
     </p:spTree>
     <p:extLst>
       <p:ext uri="{BB962C8B-B14F-4D97-AF65-F5344CB8AC3E}">
@@ -14618,8 +14791,8 @@
         </p:nvSpPr>
         <p:spPr>
           <a:xfrm>
-            <a:off x="1232851" y="1194618"/>
-            <a:ext cx="4760046" cy="1519085"/>
+            <a:off x="1232850" y="1136546"/>
+            <a:ext cx="4428837" cy="1665648"/>
           </a:xfrm>
         </p:spPr>
         <p:txBody>
@@ -14664,8 +14837,8 @@
         </p:blipFill>
         <p:spPr>
           <a:xfrm>
-            <a:off x="7225748" y="-2"/>
-            <a:ext cx="4966252" cy="3429002"/>
+            <a:off x="7223180" y="29990"/>
+            <a:ext cx="4966252" cy="3313660"/>
           </a:xfrm>
           <a:prstGeom prst="rect">
             <a:avLst/>
@@ -14699,7 +14872,7 @@
         </p:blipFill>
         <p:spPr>
           <a:xfrm>
-            <a:off x="7225748" y="3438456"/>
+            <a:off x="7220612" y="3284812"/>
             <a:ext cx="4966252" cy="3428999"/>
           </a:xfrm>
           <a:prstGeom prst="rect">
@@ -14735,8 +14908,8 @@
         </p:blipFill>
         <p:spPr>
           <a:xfrm>
-            <a:off x="2796293" y="3539613"/>
-            <a:ext cx="4428837" cy="3318387"/>
+            <a:off x="1814107" y="3283617"/>
+            <a:ext cx="4428837" cy="3430194"/>
           </a:xfrm>
           <a:prstGeom prst="rect">
             <a:avLst/>
@@ -17159,7 +17332,7 @@
         <p:spPr>
           <a:xfrm>
             <a:off x="8154186" y="634028"/>
-            <a:ext cx="3355942" cy="3732835"/>
+            <a:ext cx="3355942" cy="4881869"/>
           </a:xfrm>
         </p:spPr>
         <p:txBody>
@@ -17181,10 +17354,13 @@
             </a:br>
             <a:r>
               <a:rPr lang="en-US" sz="3400" cap="all" dirty="0"/>
-              <a:t>(daftar </a:t>
-            </a:r>
-            <a:r>
-              <a:rPr lang="en-US" sz="3400" cap="all"/>
+              <a:t>(daftar KETIDAKTUNTASAN </a:t>
+            </a:r>
+            <a:br>
+              <a:rPr lang="en-US" sz="3400" cap="all" dirty="0"/>
+            </a:br>
+            <a:r>
+              <a:rPr lang="en-US" sz="3400" cap="all" dirty="0" err="1"/>
               <a:t>mapel</a:t>
             </a:r>
             <a:r>
@@ -18968,7 +19144,7 @@
           <a:p>
             <a:r>
               <a:rPr lang="en-US" dirty="0"/>
-              <a:t>KESIMPULAN</a:t>
+              <a:t>VALIDASI </a:t>
             </a:r>
             <a:endParaRPr lang="en-ID" dirty="0"/>
           </a:p>
@@ -18992,8 +19168,8 @@
         </p:nvSpPr>
         <p:spPr>
           <a:xfrm>
-            <a:off x="1371600" y="2197510"/>
-            <a:ext cx="5412658" cy="3886200"/>
+            <a:off x="1371599" y="2197510"/>
+            <a:ext cx="9645445" cy="3974690"/>
           </a:xfrm>
         </p:spPr>
         <p:txBody>
@@ -19003,421 +19179,14 @@
           <a:lstStyle/>
           <a:p>
             <a:r>
-              <a:rPr lang="en-US" dirty="0" err="1"/>
-              <a:t>Sistem</a:t>
-            </a:r>
-            <a:r>
               <a:rPr lang="en-US" dirty="0"/>
-              <a:t> </a:t>
-            </a:r>
-            <a:r>
-              <a:rPr lang="en-US" dirty="0" err="1"/>
-              <a:t>mampu</a:t>
-            </a:r>
-            <a:r>
-              <a:rPr lang="en-US" dirty="0"/>
-              <a:t> </a:t>
-            </a:r>
-            <a:r>
-              <a:rPr lang="en-US" dirty="0" err="1"/>
-              <a:t>memberikan</a:t>
-            </a:r>
-            <a:r>
-              <a:rPr lang="en-US" dirty="0"/>
-              <a:t> </a:t>
-            </a:r>
-            <a:r>
-              <a:rPr lang="en-US" dirty="0" err="1"/>
-              <a:t>informasi</a:t>
-            </a:r>
-            <a:r>
-              <a:rPr lang="en-US" dirty="0"/>
-              <a:t> </a:t>
-            </a:r>
-            <a:r>
-              <a:rPr lang="en-US" dirty="0" err="1"/>
-              <a:t>rincian</a:t>
-            </a:r>
-            <a:r>
-              <a:rPr lang="en-US" dirty="0"/>
-              <a:t> </a:t>
-            </a:r>
-            <a:r>
-              <a:rPr lang="en-US" dirty="0" err="1"/>
-              <a:t>penilaian</a:t>
-            </a:r>
-            <a:r>
-              <a:rPr lang="en-US" dirty="0"/>
-              <a:t> </a:t>
-            </a:r>
-            <a:r>
-              <a:rPr lang="en-US" dirty="0" err="1"/>
-              <a:t>akademik</a:t>
-            </a:r>
-            <a:r>
-              <a:rPr lang="en-US" dirty="0"/>
-              <a:t> </a:t>
-            </a:r>
-            <a:r>
-              <a:rPr lang="en-US" dirty="0" err="1"/>
-              <a:t>siswa</a:t>
-            </a:r>
-            <a:r>
-              <a:rPr lang="en-US" dirty="0"/>
-              <a:t> </a:t>
-            </a:r>
-            <a:r>
-              <a:rPr lang="en-US" dirty="0" err="1"/>
-              <a:t>berdasarkan</a:t>
-            </a:r>
-            <a:r>
-              <a:rPr lang="en-US" dirty="0"/>
-              <a:t> </a:t>
-            </a:r>
-            <a:r>
-              <a:rPr lang="en-US" dirty="0" err="1"/>
-              <a:t>komponen</a:t>
-            </a:r>
-            <a:r>
-              <a:rPr lang="en-US" dirty="0"/>
-              <a:t> </a:t>
-            </a:r>
-            <a:r>
-              <a:rPr lang="en-US" dirty="0" err="1"/>
-              <a:t>penilian</a:t>
-            </a:r>
-            <a:r>
-              <a:rPr lang="en-US" dirty="0"/>
-              <a:t> yang </a:t>
-            </a:r>
-            <a:r>
-              <a:rPr lang="en-US" dirty="0" err="1"/>
-              <a:t>ada</a:t>
-            </a:r>
-            <a:endParaRPr lang="en-US" dirty="0"/>
+              <a:t>WAWANCARA DENGAN PERWAKILAN GURU</a:t>
+            </a:r>
           </a:p>
           <a:p>
             <a:r>
-              <a:rPr lang="en-US" dirty="0" err="1"/>
-              <a:t>Sistem</a:t>
-            </a:r>
-            <a:r>
               <a:rPr lang="en-US" dirty="0"/>
-              <a:t> </a:t>
-            </a:r>
-            <a:r>
-              <a:rPr lang="en-US" dirty="0" err="1"/>
-              <a:t>memberikan</a:t>
-            </a:r>
-            <a:r>
-              <a:rPr lang="en-US" dirty="0"/>
-              <a:t> </a:t>
-            </a:r>
-            <a:r>
-              <a:rPr lang="en-US" dirty="0" err="1"/>
-              <a:t>informasi</a:t>
-            </a:r>
-            <a:r>
-              <a:rPr lang="en-US" dirty="0"/>
-              <a:t> </a:t>
-            </a:r>
-            <a:r>
-              <a:rPr lang="en-US" dirty="0" err="1"/>
-              <a:t>pencapaian</a:t>
-            </a:r>
-            <a:r>
-              <a:rPr lang="en-US" dirty="0"/>
-              <a:t> </a:t>
-            </a:r>
-            <a:r>
-              <a:rPr lang="en-US" dirty="0" err="1"/>
-              <a:t>siswa</a:t>
-            </a:r>
-            <a:r>
-              <a:rPr lang="en-US" dirty="0"/>
-              <a:t> </a:t>
-            </a:r>
-            <a:r>
-              <a:rPr lang="en-US" dirty="0" err="1"/>
-              <a:t>mengenai</a:t>
-            </a:r>
-            <a:r>
-              <a:rPr lang="en-US" dirty="0"/>
-              <a:t> </a:t>
-            </a:r>
-            <a:r>
-              <a:rPr lang="en-US" dirty="0" err="1"/>
-              <a:t>prestasi</a:t>
-            </a:r>
-            <a:r>
-              <a:rPr lang="en-US" dirty="0"/>
-              <a:t> yang </a:t>
-            </a:r>
-            <a:r>
-              <a:rPr lang="en-US" dirty="0" err="1"/>
-              <a:t>dimiliki</a:t>
-            </a:r>
-            <a:r>
-              <a:rPr lang="en-US" dirty="0"/>
-              <a:t>, </a:t>
-            </a:r>
-            <a:r>
-              <a:rPr lang="en-US" dirty="0" err="1"/>
-              <a:t>sebagai</a:t>
-            </a:r>
-            <a:r>
-              <a:rPr lang="en-US" dirty="0"/>
-              <a:t> </a:t>
-            </a:r>
-            <a:r>
-              <a:rPr lang="en-US" i="1" dirty="0"/>
-              <a:t>warning </a:t>
-            </a:r>
-            <a:r>
-              <a:rPr lang="en-US" dirty="0" err="1"/>
-              <a:t>mengenai</a:t>
-            </a:r>
-            <a:r>
-              <a:rPr lang="en-US" dirty="0"/>
-              <a:t> </a:t>
-            </a:r>
-            <a:r>
-              <a:rPr lang="en-US" dirty="0" err="1"/>
-              <a:t>kehadiran</a:t>
-            </a:r>
-            <a:r>
-              <a:rPr lang="en-US" dirty="0"/>
-              <a:t>, dan </a:t>
-            </a:r>
-            <a:r>
-              <a:rPr lang="en-US" dirty="0" err="1"/>
-              <a:t>memberikan</a:t>
-            </a:r>
-            <a:r>
-              <a:rPr lang="en-US" dirty="0"/>
-              <a:t> </a:t>
-            </a:r>
-            <a:r>
-              <a:rPr lang="en-US" dirty="0" err="1"/>
-              <a:t>informasi</a:t>
-            </a:r>
-            <a:r>
-              <a:rPr lang="en-US" dirty="0"/>
-              <a:t> </a:t>
-            </a:r>
-            <a:r>
-              <a:rPr lang="en-US" dirty="0" err="1"/>
-              <a:t>tentang</a:t>
-            </a:r>
-            <a:r>
-              <a:rPr lang="en-US" dirty="0"/>
-              <a:t> </a:t>
-            </a:r>
-            <a:r>
-              <a:rPr lang="en-US" dirty="0" err="1"/>
-              <a:t>nilai</a:t>
-            </a:r>
-            <a:r>
-              <a:rPr lang="en-US" dirty="0"/>
-              <a:t> </a:t>
-            </a:r>
-            <a:r>
-              <a:rPr lang="en-US" dirty="0" err="1"/>
-              <a:t>sikap</a:t>
-            </a:r>
-            <a:r>
-              <a:rPr lang="en-US" dirty="0"/>
-              <a:t>/</a:t>
-            </a:r>
-            <a:r>
-              <a:rPr lang="en-US" dirty="0" err="1"/>
-              <a:t>karakter</a:t>
-            </a:r>
-            <a:r>
-              <a:rPr lang="en-US" dirty="0"/>
-              <a:t> yang </a:t>
-            </a:r>
-            <a:r>
-              <a:rPr lang="en-US" dirty="0" err="1"/>
-              <a:t>terkait</a:t>
-            </a:r>
-            <a:r>
-              <a:rPr lang="en-US" dirty="0"/>
-              <a:t> </a:t>
-            </a:r>
-            <a:r>
-              <a:rPr lang="en-US" dirty="0" err="1"/>
-              <a:t>dengan</a:t>
-            </a:r>
-            <a:r>
-              <a:rPr lang="en-US" dirty="0"/>
-              <a:t> </a:t>
-            </a:r>
-            <a:r>
-              <a:rPr lang="en-US" dirty="0" err="1"/>
-              <a:t>pelanggaran</a:t>
-            </a:r>
-            <a:r>
-              <a:rPr lang="en-US" dirty="0"/>
-              <a:t>.</a:t>
-            </a:r>
-          </a:p>
-          <a:p>
-            <a:r>
-              <a:rPr lang="en-US" dirty="0" err="1"/>
-              <a:t>Sistem</a:t>
-            </a:r>
-            <a:r>
-              <a:rPr lang="en-US" dirty="0"/>
-              <a:t> </a:t>
-            </a:r>
-            <a:r>
-              <a:rPr lang="en-US" dirty="0" err="1"/>
-              <a:t>berhasil</a:t>
-            </a:r>
-            <a:r>
-              <a:rPr lang="en-US" dirty="0"/>
-              <a:t> </a:t>
-            </a:r>
-            <a:r>
-              <a:rPr lang="en-US" dirty="0" err="1"/>
-              <a:t>menjadi</a:t>
-            </a:r>
-            <a:r>
-              <a:rPr lang="en-US" dirty="0"/>
-              <a:t> </a:t>
-            </a:r>
-            <a:r>
-              <a:rPr lang="en-US" dirty="0" err="1"/>
-              <a:t>penghubung</a:t>
-            </a:r>
-            <a:r>
-              <a:rPr lang="en-US" dirty="0"/>
-              <a:t> </a:t>
-            </a:r>
-            <a:r>
-              <a:rPr lang="en-US" dirty="0" err="1"/>
-              <a:t>antara</a:t>
-            </a:r>
-            <a:r>
-              <a:rPr lang="en-US" dirty="0"/>
-              <a:t> </a:t>
-            </a:r>
-            <a:r>
-              <a:rPr lang="en-US" dirty="0" err="1"/>
-              <a:t>sekolah</a:t>
-            </a:r>
-            <a:r>
-              <a:rPr lang="en-US" dirty="0"/>
-              <a:t> </a:t>
-            </a:r>
-            <a:r>
-              <a:rPr lang="en-US" dirty="0" err="1"/>
-              <a:t>dengan</a:t>
-            </a:r>
-            <a:r>
-              <a:rPr lang="en-US" dirty="0"/>
-              <a:t> orang </a:t>
-            </a:r>
-            <a:r>
-              <a:rPr lang="en-US" dirty="0" err="1"/>
-              <a:t>tua</a:t>
-            </a:r>
-            <a:r>
-              <a:rPr lang="en-US" dirty="0"/>
-              <a:t> </a:t>
-            </a:r>
-            <a:r>
-              <a:rPr lang="en-US" dirty="0" err="1"/>
-              <a:t>mengenai</a:t>
-            </a:r>
-            <a:r>
-              <a:rPr lang="en-US" dirty="0"/>
-              <a:t> </a:t>
-            </a:r>
-            <a:r>
-              <a:rPr lang="en-US" dirty="0" err="1"/>
-              <a:t>perkembangan</a:t>
-            </a:r>
-            <a:r>
-              <a:rPr lang="en-US" dirty="0"/>
-              <a:t> </a:t>
-            </a:r>
-            <a:r>
-              <a:rPr lang="en-US" dirty="0" err="1"/>
-              <a:t>peserta</a:t>
-            </a:r>
-            <a:r>
-              <a:rPr lang="en-US" dirty="0"/>
-              <a:t> </a:t>
-            </a:r>
-            <a:r>
-              <a:rPr lang="en-US" dirty="0" err="1"/>
-              <a:t>didik</a:t>
-            </a:r>
-            <a:r>
-              <a:rPr lang="en-US" dirty="0"/>
-              <a:t>.</a:t>
-            </a:r>
-          </a:p>
-          <a:p>
-            <a:endParaRPr lang="en-ID" dirty="0"/>
-          </a:p>
-          <a:p>
-            <a:endParaRPr lang="en-ID" dirty="0"/>
-          </a:p>
-        </p:txBody>
-      </p:sp>
-      <p:sp>
-        <p:nvSpPr>
-          <p:cNvPr id="5" name="Title 1">
-            <a:extLst>
-              <a:ext uri="{FF2B5EF4-FFF2-40B4-BE49-F238E27FC236}">
-                <a16:creationId xmlns:a16="http://schemas.microsoft.com/office/drawing/2014/main" id="{76533544-BE53-4923-AE97-E548C03D3E24}"/>
-              </a:ext>
-            </a:extLst>
-          </p:cNvPr>
-          <p:cNvSpPr txBox="1">
-            <a:spLocks/>
-          </p:cNvSpPr>
-          <p:nvPr/>
-        </p:nvSpPr>
-        <p:spPr>
-          <a:xfrm>
-            <a:off x="7320116" y="685800"/>
-            <a:ext cx="3952568" cy="1319981"/>
-          </a:xfrm>
-          <a:prstGeom prst="rect">
-            <a:avLst/>
-          </a:prstGeom>
-        </p:spPr>
-        <p:txBody>
-          <a:bodyPr vert="horz" lIns="91440" tIns="45720" rIns="91440" bIns="45720" rtlCol="0" anchor="t">
-            <a:normAutofit/>
-          </a:bodyPr>
-          <a:lstStyle>
-            <a:lvl1pPr algn="l" defTabSz="914400" rtl="0" eaLnBrk="1" latinLnBrk="0" hangingPunct="1">
-              <a:lnSpc>
-                <a:spcPct val="89000"/>
-              </a:lnSpc>
-              <a:spcBef>
-                <a:spcPct val="0"/>
-              </a:spcBef>
-              <a:buNone/>
-              <a:defRPr sz="4400" kern="1200" baseline="0">
-                <a:solidFill>
-                  <a:schemeClr val="tx2"/>
-                </a:solidFill>
-                <a:latin typeface="+mj-lt"/>
-                <a:ea typeface="+mj-ea"/>
-                <a:cs typeface="+mj-cs"/>
-              </a:defRPr>
-            </a:lvl1pPr>
-          </a:lstStyle>
-          <a:p>
-            <a:r>
-              <a:rPr lang="en-US" dirty="0"/>
-              <a:t>SARAN</a:t>
+              <a:t>WAWANCARA DENGAN PERWAKILAN ORANG TUA </a:t>
             </a:r>
             <a:endParaRPr lang="en-ID" dirty="0"/>
           </a:p>
@@ -19448,7 +19217,7 @@
         </p:spPr>
         <p:txBody>
           <a:bodyPr vert="horz" lIns="91440" tIns="45720" rIns="91440" bIns="45720" rtlCol="0">
-            <a:normAutofit lnSpcReduction="10000"/>
+            <a:normAutofit/>
           </a:bodyPr>
           <a:lstStyle>
             <a:lvl1pPr marL="384048" indent="-384048" algn="l" defTabSz="914400" rtl="0" eaLnBrk="1" latinLnBrk="0" hangingPunct="1">
@@ -19642,9 +19411,105 @@
             </a:lvl9pPr>
           </a:lstStyle>
           <a:p>
+            <a:endParaRPr lang="en-ID" dirty="0"/>
+          </a:p>
+        </p:txBody>
+      </p:sp>
+    </p:spTree>
+    <p:extLst>
+      <p:ext uri="{BB962C8B-B14F-4D97-AF65-F5344CB8AC3E}">
+        <p14:creationId xmlns:p14="http://schemas.microsoft.com/office/powerpoint/2010/main" val="1983288724"/>
+      </p:ext>
+    </p:extLst>
+  </p:cSld>
+  <p:clrMapOvr>
+    <a:masterClrMapping/>
+  </p:clrMapOvr>
+</p:sld>
+</file>
+
+<file path=ppt/slides/slide27.xml><?xml version="1.0" encoding="utf-8"?>
+<p:sld xmlns:a="http://schemas.openxmlformats.org/drawingml/2006/main" xmlns:r="http://schemas.openxmlformats.org/officeDocument/2006/relationships" xmlns:p="http://schemas.openxmlformats.org/presentationml/2006/main">
+  <p:cSld>
+    <p:spTree>
+      <p:nvGrpSpPr>
+        <p:cNvPr id="1" name=""/>
+        <p:cNvGrpSpPr/>
+        <p:nvPr/>
+      </p:nvGrpSpPr>
+      <p:grpSpPr>
+        <a:xfrm>
+          <a:off x="0" y="0"/>
+          <a:ext cx="0" cy="0"/>
+          <a:chOff x="0" y="0"/>
+          <a:chExt cx="0" cy="0"/>
+        </a:xfrm>
+      </p:grpSpPr>
+      <p:sp>
+        <p:nvSpPr>
+          <p:cNvPr id="2" name="Title 1">
+            <a:extLst>
+              <a:ext uri="{FF2B5EF4-FFF2-40B4-BE49-F238E27FC236}">
+                <a16:creationId xmlns:a16="http://schemas.microsoft.com/office/drawing/2014/main" id="{44FA8358-8214-4255-B42D-D921328FFF59}"/>
+              </a:ext>
+            </a:extLst>
+          </p:cNvPr>
+          <p:cNvSpPr>
+            <a:spLocks noGrp="1"/>
+          </p:cNvSpPr>
+          <p:nvPr>
+            <p:ph type="title"/>
+          </p:nvPr>
+        </p:nvSpPr>
+        <p:spPr>
+          <a:xfrm>
+            <a:off x="1371600" y="685800"/>
+            <a:ext cx="3952568" cy="1319981"/>
+          </a:xfrm>
+        </p:spPr>
+        <p:txBody>
+          <a:bodyPr/>
+          <a:lstStyle/>
+          <a:p>
+            <a:r>
+              <a:rPr lang="en-US" dirty="0"/>
+              <a:t>KESIMPULAN</a:t>
+            </a:r>
+            <a:endParaRPr lang="en-ID" dirty="0"/>
+          </a:p>
+        </p:txBody>
+      </p:sp>
+      <p:sp>
+        <p:nvSpPr>
+          <p:cNvPr id="3" name="Content Placeholder 2">
+            <a:extLst>
+              <a:ext uri="{FF2B5EF4-FFF2-40B4-BE49-F238E27FC236}">
+                <a16:creationId xmlns:a16="http://schemas.microsoft.com/office/drawing/2014/main" id="{5D67C7CC-B4B4-4BBE-BECF-7B105974C363}"/>
+              </a:ext>
+            </a:extLst>
+          </p:cNvPr>
+          <p:cNvSpPr>
+            <a:spLocks noGrp="1"/>
+          </p:cNvSpPr>
+          <p:nvPr>
+            <p:ph idx="1"/>
+          </p:nvPr>
+        </p:nvSpPr>
+        <p:spPr>
+          <a:xfrm>
+            <a:off x="1371600" y="2197510"/>
+            <a:ext cx="5412658" cy="3974690"/>
+          </a:xfrm>
+        </p:spPr>
+        <p:txBody>
+          <a:bodyPr>
+            <a:normAutofit/>
+          </a:bodyPr>
+          <a:lstStyle/>
+          <a:p>
             <a:r>
               <a:rPr lang="en-US" dirty="0" err="1"/>
-              <a:t>Adanya</a:t>
+              <a:t>Sistem</a:t>
             </a:r>
             <a:r>
               <a:rPr lang="en-US" dirty="0"/>
@@ -19652,7 +19517,7 @@
             </a:r>
             <a:r>
               <a:rPr lang="en-US" dirty="0" err="1"/>
-              <a:t>fitur</a:t>
+              <a:t>mampu</a:t>
             </a:r>
             <a:r>
               <a:rPr lang="en-US" dirty="0"/>
@@ -19660,7 +19525,7 @@
             </a:r>
             <a:r>
               <a:rPr lang="en-US" dirty="0" err="1"/>
-              <a:t>notifikasi</a:t>
+              <a:t>memberikan</a:t>
             </a:r>
             <a:r>
               <a:rPr lang="en-US" dirty="0"/>
@@ -19668,15 +19533,7 @@
             </a:r>
             <a:r>
               <a:rPr lang="en-US" dirty="0" err="1"/>
-              <a:t>kepada</a:t>
-            </a:r>
-            <a:r>
-              <a:rPr lang="en-US" dirty="0"/>
-              <a:t> orang </a:t>
-            </a:r>
-            <a:r>
-              <a:rPr lang="en-US" dirty="0" err="1"/>
-              <a:t>tua</a:t>
+              <a:t>informasi</a:t>
             </a:r>
             <a:r>
               <a:rPr lang="en-US" dirty="0"/>
@@ -19684,7 +19541,7 @@
             </a:r>
             <a:r>
               <a:rPr lang="en-US" dirty="0" err="1"/>
-              <a:t>siswa</a:t>
+              <a:t>rincian</a:t>
             </a:r>
             <a:r>
               <a:rPr lang="en-US" dirty="0"/>
@@ -19692,15 +19549,7 @@
             </a:r>
             <a:r>
               <a:rPr lang="en-US" dirty="0" err="1"/>
-              <a:t>melalui</a:t>
-            </a:r>
-            <a:r>
-              <a:rPr lang="en-US" dirty="0"/>
-              <a:t> email </a:t>
-            </a:r>
-            <a:r>
-              <a:rPr lang="en-US" dirty="0" err="1"/>
-              <a:t>ketika</a:t>
+              <a:t>penilaian</a:t>
             </a:r>
             <a:r>
               <a:rPr lang="en-US" dirty="0"/>
@@ -19708,7 +19557,7 @@
             </a:r>
             <a:r>
               <a:rPr lang="en-US" dirty="0" err="1"/>
-              <a:t>siswa</a:t>
+              <a:t>akademik</a:t>
             </a:r>
             <a:r>
               <a:rPr lang="en-US" dirty="0"/>
@@ -19716,7 +19565,7 @@
             </a:r>
             <a:r>
               <a:rPr lang="en-US" dirty="0" err="1"/>
-              <a:t>melakukan</a:t>
+              <a:t>siswa</a:t>
             </a:r>
             <a:r>
               <a:rPr lang="en-US" dirty="0"/>
@@ -19724,15 +19573,7 @@
             </a:r>
             <a:r>
               <a:rPr lang="en-US" dirty="0" err="1"/>
-              <a:t>pelanggaran</a:t>
-            </a:r>
-            <a:r>
-              <a:rPr lang="en-US" dirty="0"/>
-              <a:t> pada </a:t>
-            </a:r>
-            <a:r>
-              <a:rPr lang="en-US" dirty="0" err="1"/>
-              <a:t>batas</a:t>
+              <a:t>berdasarkan</a:t>
             </a:r>
             <a:r>
               <a:rPr lang="en-US" dirty="0"/>
@@ -19740,7 +19581,7 @@
             </a:r>
             <a:r>
               <a:rPr lang="en-US" dirty="0" err="1"/>
-              <a:t>poin</a:t>
+              <a:t>komponen</a:t>
             </a:r>
             <a:r>
               <a:rPr lang="en-US" dirty="0"/>
@@ -19748,14 +19589,22 @@
             </a:r>
             <a:r>
               <a:rPr lang="en-US" dirty="0" err="1"/>
-              <a:t>tertentu</a:t>
+              <a:t>penilian</a:t>
+            </a:r>
+            <a:r>
+              <a:rPr lang="en-US" dirty="0"/>
+              <a:t> yang </a:t>
+            </a:r>
+            <a:r>
+              <a:rPr lang="en-US" dirty="0" err="1"/>
+              <a:t>ada</a:t>
             </a:r>
             <a:endParaRPr lang="en-US" dirty="0"/>
           </a:p>
           <a:p>
             <a:r>
               <a:rPr lang="en-US" dirty="0" err="1"/>
-              <a:t>Memberikan</a:t>
+              <a:t>Sistem</a:t>
             </a:r>
             <a:r>
               <a:rPr lang="en-US" dirty="0"/>
@@ -19763,7 +19612,7 @@
             </a:r>
             <a:r>
               <a:rPr lang="en-US" dirty="0" err="1"/>
-              <a:t>peringatan</a:t>
+              <a:t>memberikan</a:t>
             </a:r>
             <a:r>
               <a:rPr lang="en-US" dirty="0"/>
@@ -19771,7 +19620,7 @@
             </a:r>
             <a:r>
               <a:rPr lang="en-US" dirty="0" err="1"/>
-              <a:t>mengenai</a:t>
+              <a:t>informasi</a:t>
             </a:r>
             <a:r>
               <a:rPr lang="en-US" dirty="0"/>
@@ -19779,7 +19628,7 @@
             </a:r>
             <a:r>
               <a:rPr lang="en-US" dirty="0" err="1"/>
-              <a:t>ketidakhadiran</a:t>
+              <a:t>pencapaian</a:t>
             </a:r>
             <a:r>
               <a:rPr lang="en-US" dirty="0"/>
@@ -19787,7 +19636,7 @@
             </a:r>
             <a:r>
               <a:rPr lang="en-US" dirty="0" err="1"/>
-              <a:t>dalam</a:t>
+              <a:t>siswa</a:t>
             </a:r>
             <a:r>
               <a:rPr lang="en-US" dirty="0"/>
@@ -19795,7 +19644,557 @@
             </a:r>
             <a:r>
               <a:rPr lang="en-US" dirty="0" err="1"/>
-              <a:t>bentuk</a:t>
+              <a:t>mengenai</a:t>
+            </a:r>
+            <a:r>
+              <a:rPr lang="en-US" dirty="0"/>
+              <a:t> </a:t>
+            </a:r>
+            <a:r>
+              <a:rPr lang="en-US" dirty="0" err="1"/>
+              <a:t>prestasi</a:t>
+            </a:r>
+            <a:r>
+              <a:rPr lang="en-US" dirty="0"/>
+              <a:t> yang </a:t>
+            </a:r>
+            <a:r>
+              <a:rPr lang="en-US" dirty="0" err="1"/>
+              <a:t>dimiliki</a:t>
+            </a:r>
+            <a:r>
+              <a:rPr lang="en-US" dirty="0"/>
+              <a:t>, </a:t>
+            </a:r>
+            <a:r>
+              <a:rPr lang="en-US" dirty="0" err="1"/>
+              <a:t>sebagai</a:t>
+            </a:r>
+            <a:r>
+              <a:rPr lang="en-US" dirty="0"/>
+              <a:t> </a:t>
+            </a:r>
+            <a:r>
+              <a:rPr lang="en-US" i="1" dirty="0"/>
+              <a:t>warning </a:t>
+            </a:r>
+            <a:r>
+              <a:rPr lang="en-US" dirty="0" err="1"/>
+              <a:t>mengenai</a:t>
+            </a:r>
+            <a:r>
+              <a:rPr lang="en-US" dirty="0"/>
+              <a:t> </a:t>
+            </a:r>
+            <a:r>
+              <a:rPr lang="en-US" dirty="0" err="1"/>
+              <a:t>kehadiran</a:t>
+            </a:r>
+            <a:r>
+              <a:rPr lang="en-US" dirty="0"/>
+              <a:t>, dan </a:t>
+            </a:r>
+            <a:r>
+              <a:rPr lang="en-US" dirty="0" err="1"/>
+              <a:t>memberikan</a:t>
+            </a:r>
+            <a:r>
+              <a:rPr lang="en-US" dirty="0"/>
+              <a:t> </a:t>
+            </a:r>
+            <a:r>
+              <a:rPr lang="en-US" dirty="0" err="1"/>
+              <a:t>informasi</a:t>
+            </a:r>
+            <a:r>
+              <a:rPr lang="en-US" dirty="0"/>
+              <a:t> </a:t>
+            </a:r>
+            <a:r>
+              <a:rPr lang="en-US" dirty="0" err="1"/>
+              <a:t>tentang</a:t>
+            </a:r>
+            <a:r>
+              <a:rPr lang="en-US" dirty="0"/>
+              <a:t> </a:t>
+            </a:r>
+            <a:r>
+              <a:rPr lang="en-US" dirty="0" err="1"/>
+              <a:t>nilai</a:t>
+            </a:r>
+            <a:r>
+              <a:rPr lang="en-US" dirty="0"/>
+              <a:t> </a:t>
+            </a:r>
+            <a:r>
+              <a:rPr lang="en-US" dirty="0" err="1"/>
+              <a:t>sikap</a:t>
+            </a:r>
+            <a:r>
+              <a:rPr lang="en-US" dirty="0"/>
+              <a:t>/</a:t>
+            </a:r>
+            <a:r>
+              <a:rPr lang="en-US" dirty="0" err="1"/>
+              <a:t>karakter</a:t>
+            </a:r>
+            <a:r>
+              <a:rPr lang="en-US" dirty="0"/>
+              <a:t> yang </a:t>
+            </a:r>
+            <a:r>
+              <a:rPr lang="en-US" dirty="0" err="1"/>
+              <a:t>terkait</a:t>
+            </a:r>
+            <a:r>
+              <a:rPr lang="en-US" dirty="0"/>
+              <a:t> </a:t>
+            </a:r>
+            <a:r>
+              <a:rPr lang="en-US" dirty="0" err="1"/>
+              <a:t>dengan</a:t>
+            </a:r>
+            <a:r>
+              <a:rPr lang="en-US" dirty="0"/>
+              <a:t> </a:t>
+            </a:r>
+            <a:r>
+              <a:rPr lang="en-US" dirty="0" err="1"/>
+              <a:t>pelanggaran</a:t>
+            </a:r>
+            <a:r>
+              <a:rPr lang="en-US" dirty="0"/>
+              <a:t>.</a:t>
+            </a:r>
+          </a:p>
+          <a:p>
+            <a:r>
+              <a:rPr lang="en-US" dirty="0" err="1"/>
+              <a:t>Sistem</a:t>
+            </a:r>
+            <a:r>
+              <a:rPr lang="en-US" dirty="0"/>
+              <a:t> </a:t>
+            </a:r>
+            <a:r>
+              <a:rPr lang="en-US" dirty="0" err="1"/>
+              <a:t>berhasil</a:t>
+            </a:r>
+            <a:r>
+              <a:rPr lang="en-US" dirty="0"/>
+              <a:t> </a:t>
+            </a:r>
+            <a:r>
+              <a:rPr lang="en-US" dirty="0" err="1"/>
+              <a:t>menjadi</a:t>
+            </a:r>
+            <a:r>
+              <a:rPr lang="en-US" dirty="0"/>
+              <a:t> </a:t>
+            </a:r>
+            <a:r>
+              <a:rPr lang="en-US" dirty="0" err="1"/>
+              <a:t>penghubung</a:t>
+            </a:r>
+            <a:r>
+              <a:rPr lang="en-US" dirty="0"/>
+              <a:t> </a:t>
+            </a:r>
+            <a:r>
+              <a:rPr lang="en-US" dirty="0" err="1"/>
+              <a:t>antara</a:t>
+            </a:r>
+            <a:r>
+              <a:rPr lang="en-US" dirty="0"/>
+              <a:t> </a:t>
+            </a:r>
+            <a:r>
+              <a:rPr lang="en-US" dirty="0" err="1"/>
+              <a:t>sekolah</a:t>
+            </a:r>
+            <a:r>
+              <a:rPr lang="en-US" dirty="0"/>
+              <a:t> </a:t>
+            </a:r>
+            <a:r>
+              <a:rPr lang="en-US" dirty="0" err="1"/>
+              <a:t>dengan</a:t>
+            </a:r>
+            <a:r>
+              <a:rPr lang="en-US" dirty="0"/>
+              <a:t> orang </a:t>
+            </a:r>
+            <a:r>
+              <a:rPr lang="en-US" dirty="0" err="1"/>
+              <a:t>tua</a:t>
+            </a:r>
+            <a:r>
+              <a:rPr lang="en-US" dirty="0"/>
+              <a:t> </a:t>
+            </a:r>
+            <a:r>
+              <a:rPr lang="en-US" dirty="0" err="1"/>
+              <a:t>mengenai</a:t>
+            </a:r>
+            <a:r>
+              <a:rPr lang="en-US" dirty="0"/>
+              <a:t> </a:t>
+            </a:r>
+            <a:r>
+              <a:rPr lang="en-US" dirty="0" err="1"/>
+              <a:t>perkembangan</a:t>
+            </a:r>
+            <a:r>
+              <a:rPr lang="en-US" dirty="0"/>
+              <a:t> </a:t>
+            </a:r>
+            <a:r>
+              <a:rPr lang="en-US" dirty="0" err="1"/>
+              <a:t>peserta</a:t>
+            </a:r>
+            <a:r>
+              <a:rPr lang="en-US" dirty="0"/>
+              <a:t> </a:t>
+            </a:r>
+            <a:r>
+              <a:rPr lang="en-US" dirty="0" err="1"/>
+              <a:t>didik</a:t>
+            </a:r>
+            <a:r>
+              <a:rPr lang="en-US" dirty="0"/>
+              <a:t>.</a:t>
+            </a:r>
+          </a:p>
+          <a:p>
+            <a:endParaRPr lang="en-ID" dirty="0"/>
+          </a:p>
+        </p:txBody>
+      </p:sp>
+      <p:sp>
+        <p:nvSpPr>
+          <p:cNvPr id="5" name="Title 1">
+            <a:extLst>
+              <a:ext uri="{FF2B5EF4-FFF2-40B4-BE49-F238E27FC236}">
+                <a16:creationId xmlns:a16="http://schemas.microsoft.com/office/drawing/2014/main" id="{76533544-BE53-4923-AE97-E548C03D3E24}"/>
+              </a:ext>
+            </a:extLst>
+          </p:cNvPr>
+          <p:cNvSpPr txBox="1">
+            <a:spLocks/>
+          </p:cNvSpPr>
+          <p:nvPr/>
+        </p:nvSpPr>
+        <p:spPr>
+          <a:xfrm>
+            <a:off x="7320116" y="685800"/>
+            <a:ext cx="3952568" cy="1319981"/>
+          </a:xfrm>
+          <a:prstGeom prst="rect">
+            <a:avLst/>
+          </a:prstGeom>
+        </p:spPr>
+        <p:txBody>
+          <a:bodyPr vert="horz" lIns="91440" tIns="45720" rIns="91440" bIns="45720" rtlCol="0" anchor="t">
+            <a:normAutofit/>
+          </a:bodyPr>
+          <a:lstStyle>
+            <a:lvl1pPr algn="l" defTabSz="914400" rtl="0" eaLnBrk="1" latinLnBrk="0" hangingPunct="1">
+              <a:lnSpc>
+                <a:spcPct val="89000"/>
+              </a:lnSpc>
+              <a:spcBef>
+                <a:spcPct val="0"/>
+              </a:spcBef>
+              <a:buNone/>
+              <a:defRPr sz="4400" kern="1200" baseline="0">
+                <a:solidFill>
+                  <a:schemeClr val="tx2"/>
+                </a:solidFill>
+                <a:latin typeface="+mj-lt"/>
+                <a:ea typeface="+mj-ea"/>
+                <a:cs typeface="+mj-cs"/>
+              </a:defRPr>
+            </a:lvl1pPr>
+          </a:lstStyle>
+          <a:p>
+            <a:r>
+              <a:rPr lang="en-US" dirty="0"/>
+              <a:t>SARAN</a:t>
+            </a:r>
+            <a:endParaRPr lang="en-ID" dirty="0"/>
+          </a:p>
+        </p:txBody>
+      </p:sp>
+      <p:sp>
+        <p:nvSpPr>
+          <p:cNvPr id="6" name="Content Placeholder 2">
+            <a:extLst>
+              <a:ext uri="{FF2B5EF4-FFF2-40B4-BE49-F238E27FC236}">
+                <a16:creationId xmlns:a16="http://schemas.microsoft.com/office/drawing/2014/main" id="{157300D5-4AB1-47CC-9E12-94D397420A31}"/>
+              </a:ext>
+            </a:extLst>
+          </p:cNvPr>
+          <p:cNvSpPr txBox="1">
+            <a:spLocks/>
+          </p:cNvSpPr>
+          <p:nvPr/>
+        </p:nvSpPr>
+        <p:spPr>
+          <a:xfrm>
+            <a:off x="6784258" y="2197510"/>
+            <a:ext cx="5250426" cy="3886200"/>
+          </a:xfrm>
+          <a:prstGeom prst="rect">
+            <a:avLst/>
+          </a:prstGeom>
+        </p:spPr>
+        <p:txBody>
+          <a:bodyPr vert="horz" lIns="91440" tIns="45720" rIns="91440" bIns="45720" rtlCol="0">
+            <a:normAutofit fontScale="92500"/>
+          </a:bodyPr>
+          <a:lstStyle>
+            <a:lvl1pPr marL="384048" indent="-384048" algn="l" defTabSz="914400" rtl="0" eaLnBrk="1" latinLnBrk="0" hangingPunct="1">
+              <a:lnSpc>
+                <a:spcPct val="94000"/>
+              </a:lnSpc>
+              <a:spcBef>
+                <a:spcPts val="1000"/>
+              </a:spcBef>
+              <a:spcAft>
+                <a:spcPts val="200"/>
+              </a:spcAft>
+              <a:buFont typeface="Franklin Gothic Book" panose="020B0503020102020204" pitchFamily="34" charset="0"/>
+              <a:buChar char="■"/>
+              <a:defRPr sz="2000" kern="1200" baseline="0">
+                <a:solidFill>
+                  <a:schemeClr val="tx2"/>
+                </a:solidFill>
+                <a:latin typeface="+mn-lt"/>
+                <a:ea typeface="+mn-ea"/>
+                <a:cs typeface="+mn-cs"/>
+              </a:defRPr>
+            </a:lvl1pPr>
+            <a:lvl2pPr marL="914400" indent="-384048" algn="l" defTabSz="914400" rtl="0" eaLnBrk="1" latinLnBrk="0" hangingPunct="1">
+              <a:lnSpc>
+                <a:spcPct val="94000"/>
+              </a:lnSpc>
+              <a:spcBef>
+                <a:spcPts val="500"/>
+              </a:spcBef>
+              <a:spcAft>
+                <a:spcPts val="200"/>
+              </a:spcAft>
+              <a:buFont typeface="Franklin Gothic Book" panose="020B0503020102020204" pitchFamily="34" charset="0"/>
+              <a:buChar char="–"/>
+              <a:defRPr sz="2000" i="1" kern="1200" baseline="0">
+                <a:solidFill>
+                  <a:schemeClr val="tx2"/>
+                </a:solidFill>
+                <a:latin typeface="+mn-lt"/>
+                <a:ea typeface="+mn-ea"/>
+                <a:cs typeface="+mn-cs"/>
+              </a:defRPr>
+            </a:lvl2pPr>
+            <a:lvl3pPr marL="1371600" indent="-384048" algn="l" defTabSz="914400" rtl="0" eaLnBrk="1" latinLnBrk="0" hangingPunct="1">
+              <a:lnSpc>
+                <a:spcPct val="94000"/>
+              </a:lnSpc>
+              <a:spcBef>
+                <a:spcPts val="500"/>
+              </a:spcBef>
+              <a:spcAft>
+                <a:spcPts val="200"/>
+              </a:spcAft>
+              <a:buFont typeface="Franklin Gothic Book" panose="020B0503020102020204" pitchFamily="34" charset="0"/>
+              <a:buChar char="■"/>
+              <a:defRPr sz="1800" kern="1200" baseline="0">
+                <a:solidFill>
+                  <a:schemeClr val="tx2"/>
+                </a:solidFill>
+                <a:latin typeface="+mn-lt"/>
+                <a:ea typeface="+mn-ea"/>
+                <a:cs typeface="+mn-cs"/>
+              </a:defRPr>
+            </a:lvl3pPr>
+            <a:lvl4pPr marL="1828800" indent="-384048" algn="l" defTabSz="914400" rtl="0" eaLnBrk="1" latinLnBrk="0" hangingPunct="1">
+              <a:lnSpc>
+                <a:spcPct val="94000"/>
+              </a:lnSpc>
+              <a:spcBef>
+                <a:spcPts val="500"/>
+              </a:spcBef>
+              <a:spcAft>
+                <a:spcPts val="200"/>
+              </a:spcAft>
+              <a:buFont typeface="Franklin Gothic Book" panose="020B0503020102020204" pitchFamily="34" charset="0"/>
+              <a:buChar char="–"/>
+              <a:defRPr sz="1800" i="1" kern="1200" baseline="0">
+                <a:solidFill>
+                  <a:schemeClr val="tx2"/>
+                </a:solidFill>
+                <a:latin typeface="+mn-lt"/>
+                <a:ea typeface="+mn-ea"/>
+                <a:cs typeface="+mn-cs"/>
+              </a:defRPr>
+            </a:lvl4pPr>
+            <a:lvl5pPr marL="2286000" indent="-384048" algn="l" defTabSz="914400" rtl="0" eaLnBrk="1" latinLnBrk="0" hangingPunct="1">
+              <a:lnSpc>
+                <a:spcPct val="94000"/>
+              </a:lnSpc>
+              <a:spcBef>
+                <a:spcPts val="500"/>
+              </a:spcBef>
+              <a:spcAft>
+                <a:spcPts val="200"/>
+              </a:spcAft>
+              <a:buFont typeface="Franklin Gothic Book" panose="020B0503020102020204" pitchFamily="34" charset="0"/>
+              <a:buChar char="■"/>
+              <a:defRPr sz="1600" kern="1200" baseline="0">
+                <a:solidFill>
+                  <a:schemeClr val="tx2"/>
+                </a:solidFill>
+                <a:latin typeface="+mn-lt"/>
+                <a:ea typeface="+mn-ea"/>
+                <a:cs typeface="+mn-cs"/>
+              </a:defRPr>
+            </a:lvl5pPr>
+            <a:lvl6pPr marL="2743200" indent="-384048" algn="l" defTabSz="914400" rtl="0" eaLnBrk="1" latinLnBrk="0" hangingPunct="1">
+              <a:lnSpc>
+                <a:spcPct val="94000"/>
+              </a:lnSpc>
+              <a:spcBef>
+                <a:spcPts val="500"/>
+              </a:spcBef>
+              <a:spcAft>
+                <a:spcPts val="200"/>
+              </a:spcAft>
+              <a:buFont typeface="Franklin Gothic Book" panose="020B0503020102020204" pitchFamily="34" charset="0"/>
+              <a:buChar char="–"/>
+              <a:defRPr sz="1600" i="1" kern="1200" baseline="0">
+                <a:solidFill>
+                  <a:schemeClr val="tx2"/>
+                </a:solidFill>
+                <a:latin typeface="+mn-lt"/>
+                <a:ea typeface="+mn-ea"/>
+                <a:cs typeface="+mn-cs"/>
+              </a:defRPr>
+            </a:lvl6pPr>
+            <a:lvl7pPr marL="3200400" indent="-384048" algn="l" defTabSz="914400" rtl="0" eaLnBrk="1" latinLnBrk="0" hangingPunct="1">
+              <a:lnSpc>
+                <a:spcPct val="94000"/>
+              </a:lnSpc>
+              <a:spcBef>
+                <a:spcPts val="500"/>
+              </a:spcBef>
+              <a:spcAft>
+                <a:spcPts val="200"/>
+              </a:spcAft>
+              <a:buFont typeface="Franklin Gothic Book" panose="020B0503020102020204" pitchFamily="34" charset="0"/>
+              <a:buChar char="■"/>
+              <a:defRPr sz="1400" kern="1200" baseline="0">
+                <a:solidFill>
+                  <a:schemeClr val="tx2"/>
+                </a:solidFill>
+                <a:latin typeface="+mn-lt"/>
+                <a:ea typeface="+mn-ea"/>
+                <a:cs typeface="+mn-cs"/>
+              </a:defRPr>
+            </a:lvl7pPr>
+            <a:lvl8pPr marL="3657600" indent="-384048" algn="l" defTabSz="914400" rtl="0" eaLnBrk="1" latinLnBrk="0" hangingPunct="1">
+              <a:lnSpc>
+                <a:spcPct val="94000"/>
+              </a:lnSpc>
+              <a:spcBef>
+                <a:spcPts val="500"/>
+              </a:spcBef>
+              <a:spcAft>
+                <a:spcPts val="200"/>
+              </a:spcAft>
+              <a:buFont typeface="Franklin Gothic Book" panose="020B0503020102020204" pitchFamily="34" charset="0"/>
+              <a:buChar char="–"/>
+              <a:defRPr sz="1400" i="1" kern="1200" baseline="0">
+                <a:solidFill>
+                  <a:schemeClr val="tx2"/>
+                </a:solidFill>
+                <a:latin typeface="+mn-lt"/>
+                <a:ea typeface="+mn-ea"/>
+                <a:cs typeface="+mn-cs"/>
+              </a:defRPr>
+            </a:lvl8pPr>
+            <a:lvl9pPr marL="4114800" indent="-384048" algn="l" defTabSz="914400" rtl="0" eaLnBrk="1" latinLnBrk="0" hangingPunct="1">
+              <a:lnSpc>
+                <a:spcPct val="94000"/>
+              </a:lnSpc>
+              <a:spcBef>
+                <a:spcPts val="500"/>
+              </a:spcBef>
+              <a:spcAft>
+                <a:spcPts val="200"/>
+              </a:spcAft>
+              <a:buFont typeface="Franklin Gothic Book" panose="020B0503020102020204" pitchFamily="34" charset="0"/>
+              <a:buChar char="■"/>
+              <a:defRPr sz="1400" kern="1200" baseline="0">
+                <a:solidFill>
+                  <a:schemeClr val="tx2"/>
+                </a:solidFill>
+                <a:latin typeface="+mn-lt"/>
+                <a:ea typeface="+mn-ea"/>
+                <a:cs typeface="+mn-cs"/>
+              </a:defRPr>
+            </a:lvl9pPr>
+          </a:lstStyle>
+          <a:p>
+            <a:r>
+              <a:rPr lang="en-US" dirty="0" err="1"/>
+              <a:t>Adanya</a:t>
+            </a:r>
+            <a:r>
+              <a:rPr lang="en-US" dirty="0"/>
+              <a:t> </a:t>
+            </a:r>
+            <a:r>
+              <a:rPr lang="en-US" dirty="0" err="1"/>
+              <a:t>fitur</a:t>
+            </a:r>
+            <a:r>
+              <a:rPr lang="en-US" dirty="0"/>
+              <a:t> </a:t>
+            </a:r>
+            <a:r>
+              <a:rPr lang="en-US" dirty="0" err="1"/>
+              <a:t>notifikasi</a:t>
+            </a:r>
+            <a:r>
+              <a:rPr lang="en-US" dirty="0"/>
+              <a:t> </a:t>
+            </a:r>
+            <a:r>
+              <a:rPr lang="en-US" dirty="0" err="1"/>
+              <a:t>kepada</a:t>
+            </a:r>
+            <a:r>
+              <a:rPr lang="en-US" dirty="0"/>
+              <a:t> orang </a:t>
+            </a:r>
+            <a:r>
+              <a:rPr lang="en-US" dirty="0" err="1"/>
+              <a:t>tua</a:t>
+            </a:r>
+            <a:r>
+              <a:rPr lang="en-US" dirty="0"/>
+              <a:t> </a:t>
+            </a:r>
+            <a:r>
+              <a:rPr lang="en-US" dirty="0" err="1"/>
+              <a:t>siswa</a:t>
+            </a:r>
+            <a:r>
+              <a:rPr lang="en-US" dirty="0"/>
+              <a:t> </a:t>
+            </a:r>
+            <a:r>
+              <a:rPr lang="en-US" dirty="0" err="1"/>
+              <a:t>melalui</a:t>
             </a:r>
             <a:r>
               <a:rPr lang="en-US" dirty="0"/>
@@ -19803,7 +20202,7 @@
             </a:r>
             <a:r>
               <a:rPr lang="en-US" dirty="0" err="1"/>
-              <a:t>kepada</a:t>
+              <a:t>ketika</a:t>
             </a:r>
             <a:r>
               <a:rPr lang="en-US" dirty="0"/>
@@ -19811,7 +20210,7 @@
             </a:r>
             <a:r>
               <a:rPr lang="en-US" dirty="0" err="1"/>
-              <a:t>wali</a:t>
+              <a:t>siswa</a:t>
             </a:r>
             <a:r>
               <a:rPr lang="en-US" dirty="0"/>
@@ -19819,7 +20218,7 @@
             </a:r>
             <a:r>
               <a:rPr lang="en-US" dirty="0" err="1"/>
-              <a:t>siswa</a:t>
+              <a:t>melakukan</a:t>
             </a:r>
             <a:r>
               <a:rPr lang="en-US" dirty="0"/>
@@ -19827,7 +20226,15 @@
             </a:r>
             <a:r>
               <a:rPr lang="en-US" dirty="0" err="1"/>
-              <a:t>maupun</a:t>
+              <a:t>pelanggaran</a:t>
+            </a:r>
+            <a:r>
+              <a:rPr lang="en-US" dirty="0"/>
+              <a:t> pada </a:t>
+            </a:r>
+            <a:r>
+              <a:rPr lang="en-US" dirty="0" err="1"/>
+              <a:t>batas</a:t>
             </a:r>
             <a:r>
               <a:rPr lang="en-US" dirty="0"/>
@@ -19835,7 +20242,7 @@
             </a:r>
             <a:r>
               <a:rPr lang="en-US" dirty="0" err="1"/>
-              <a:t>siswa</a:t>
+              <a:t>poin</a:t>
             </a:r>
             <a:r>
               <a:rPr lang="en-US" dirty="0"/>
@@ -19843,11 +20250,103 @@
             </a:r>
             <a:r>
               <a:rPr lang="en-US" dirty="0" err="1"/>
-              <a:t>sendiri</a:t>
+              <a:t>tertentu</a:t>
             </a:r>
             <a:endParaRPr lang="en-US" dirty="0"/>
           </a:p>
           <a:p>
+            <a:r>
+              <a:rPr lang="en-US" dirty="0" err="1"/>
+              <a:t>Memberikan</a:t>
+            </a:r>
+            <a:r>
+              <a:rPr lang="en-US" dirty="0"/>
+              <a:t> </a:t>
+            </a:r>
+            <a:r>
+              <a:rPr lang="en-US" dirty="0" err="1"/>
+              <a:t>peringatan</a:t>
+            </a:r>
+            <a:r>
+              <a:rPr lang="en-US" dirty="0"/>
+              <a:t> </a:t>
+            </a:r>
+            <a:r>
+              <a:rPr lang="en-US" dirty="0" err="1"/>
+              <a:t>mengenai</a:t>
+            </a:r>
+            <a:r>
+              <a:rPr lang="en-US" dirty="0"/>
+              <a:t> </a:t>
+            </a:r>
+            <a:r>
+              <a:rPr lang="en-US" dirty="0" err="1"/>
+              <a:t>ketidakhadiran</a:t>
+            </a:r>
+            <a:r>
+              <a:rPr lang="en-US" dirty="0"/>
+              <a:t> </a:t>
+            </a:r>
+            <a:r>
+              <a:rPr lang="en-US" dirty="0" err="1"/>
+              <a:t>dalam</a:t>
+            </a:r>
+            <a:r>
+              <a:rPr lang="en-US" dirty="0"/>
+              <a:t> </a:t>
+            </a:r>
+            <a:r>
+              <a:rPr lang="en-US" dirty="0" err="1"/>
+              <a:t>bentuk</a:t>
+            </a:r>
+            <a:r>
+              <a:rPr lang="en-US" dirty="0"/>
+              <a:t> email </a:t>
+            </a:r>
+            <a:r>
+              <a:rPr lang="en-US" dirty="0" err="1"/>
+              <a:t>kepada</a:t>
+            </a:r>
+            <a:r>
+              <a:rPr lang="en-US" dirty="0"/>
+              <a:t> </a:t>
+            </a:r>
+            <a:r>
+              <a:rPr lang="en-US" dirty="0" err="1"/>
+              <a:t>wali</a:t>
+            </a:r>
+            <a:r>
+              <a:rPr lang="en-US" dirty="0"/>
+              <a:t> </a:t>
+            </a:r>
+            <a:r>
+              <a:rPr lang="en-US" dirty="0" err="1"/>
+              <a:t>siswa</a:t>
+            </a:r>
+            <a:r>
+              <a:rPr lang="en-US" dirty="0"/>
+              <a:t> </a:t>
+            </a:r>
+            <a:r>
+              <a:rPr lang="en-US" dirty="0" err="1"/>
+              <a:t>maupun</a:t>
+            </a:r>
+            <a:r>
+              <a:rPr lang="en-US" dirty="0"/>
+              <a:t> </a:t>
+            </a:r>
+            <a:r>
+              <a:rPr lang="en-US" dirty="0" err="1"/>
+              <a:t>siswa</a:t>
+            </a:r>
+            <a:r>
+              <a:rPr lang="en-US" dirty="0"/>
+              <a:t> </a:t>
+            </a:r>
+            <a:r>
+              <a:rPr lang="en-US" dirty="0" err="1"/>
+              <a:t>sendiri</a:t>
+            </a:r>
             <a:endParaRPr lang="en-US" dirty="0"/>
           </a:p>
           <a:p>
@@ -19995,6 +20494,69 @@
               <a:rPr lang="en-ID" dirty="0"/>
               <a:t>)</a:t>
             </a:r>
+          </a:p>
+          <a:p>
+            <a:r>
+              <a:rPr lang="en-ID" dirty="0" err="1"/>
+              <a:t>Memberikan</a:t>
+            </a:r>
+            <a:r>
+              <a:rPr lang="en-ID" dirty="0"/>
+              <a:t> </a:t>
+            </a:r>
+            <a:r>
+              <a:rPr lang="en-ID" dirty="0" err="1"/>
+              <a:t>fitur</a:t>
+            </a:r>
+            <a:r>
+              <a:rPr lang="en-ID" dirty="0"/>
+              <a:t> report/</a:t>
+            </a:r>
+            <a:r>
+              <a:rPr lang="en-ID" dirty="0" err="1"/>
+              <a:t>rapor</a:t>
+            </a:r>
+            <a:r>
+              <a:rPr lang="en-ID" dirty="0"/>
+              <a:t> </a:t>
+            </a:r>
+            <a:r>
+              <a:rPr lang="en-ID" dirty="0" err="1"/>
+              <a:t>belajar</a:t>
+            </a:r>
+            <a:r>
+              <a:rPr lang="en-ID" dirty="0"/>
+              <a:t> </a:t>
+            </a:r>
+            <a:r>
+              <a:rPr lang="en-ID" dirty="0" err="1"/>
+              <a:t>siswa</a:t>
+            </a:r>
+            <a:r>
+              <a:rPr lang="en-ID" dirty="0"/>
+              <a:t> </a:t>
+            </a:r>
+            <a:r>
+              <a:rPr lang="en-ID" dirty="0" err="1"/>
+              <a:t>setiap</a:t>
+            </a:r>
+            <a:r>
+              <a:rPr lang="en-ID" dirty="0"/>
+              <a:t> </a:t>
+            </a:r>
+            <a:r>
+              <a:rPr lang="en-ID" dirty="0" err="1"/>
+              <a:t>tahun</a:t>
+            </a:r>
+            <a:r>
+              <a:rPr lang="en-ID" dirty="0"/>
+              <a:t> </a:t>
+            </a:r>
+            <a:r>
+              <a:rPr lang="en-ID" dirty="0" err="1"/>
+              <a:t>ajaran</a:t>
+            </a:r>
+            <a:endParaRPr lang="en-ID" dirty="0"/>
           </a:p>
           <a:p>
             <a:endParaRPr lang="en-ID" dirty="0"/>
@@ -20488,6 +21050,32 @@
             </a:r>
             <a:r>
               <a:rPr lang="en-US" sz="2800" dirty="0"/>
+              <a:t> </a:t>
+            </a:r>
+            <a:r>
+              <a:rPr lang="en-US" sz="2800" dirty="0" err="1"/>
+              <a:t>dibuat</a:t>
+            </a:r>
+            <a:r>
+              <a:rPr lang="en-US" sz="2800" dirty="0"/>
+              <a:t> </a:t>
+            </a:r>
+            <a:r>
+              <a:rPr lang="en-US" sz="2800" dirty="0" err="1"/>
+              <a:t>berbasis</a:t>
+            </a:r>
+            <a:r>
+              <a:rPr lang="en-US" sz="2800" dirty="0"/>
+              <a:t> website.</a:t>
+            </a:r>
+          </a:p>
+          <a:p>
+            <a:r>
+              <a:rPr lang="en-US" sz="2800" dirty="0" err="1"/>
+              <a:t>Sistem</a:t>
+            </a:r>
+            <a:r>
+              <a:rPr lang="en-US" sz="2800" dirty="0"/>
               <a:t> yang </a:t>
             </a:r>
             <a:r>
@@ -20758,199 +21346,259 @@
           </a:bodyPr>
           <a:lstStyle/>
           <a:p>
-            <a:pPr algn="just"/>
-            <a:r>
-              <a:rPr lang="en-US" sz="2400" dirty="0"/>
-              <a:t>Predicting Student Failure At School Using Genetic Programming And Different Data Mining Approaches With High Dimensional And Imbalanced Data (Vera, M. Carlos, Cano, A., Romero, C., &amp; Ventura, S. 2012). </a:t>
+            <a:r>
+              <a:rPr lang="en-US" dirty="0"/>
+              <a:t>Márquez-Vera, C., Cano, A., Romero, C., &amp; Ventura, S. (2013). Predicting student failure at school using genetic programming and different data mining approaches with high dimensional and imbalanced data. </a:t>
+            </a:r>
+            <a:r>
+              <a:rPr lang="en-US" i="1" dirty="0"/>
+              <a:t>Appl </a:t>
+            </a:r>
+            <a:r>
+              <a:rPr lang="en-US" i="1" dirty="0" err="1"/>
+              <a:t>Intell</a:t>
+            </a:r>
+            <a:r>
+              <a:rPr lang="en-US" i="1" dirty="0"/>
+              <a:t>, 38</a:t>
+            </a:r>
+            <a:r>
+              <a:rPr lang="en-US" dirty="0"/>
+              <a:t>, 315-330. doi:10.1007/s10489-012-0374-8</a:t>
             </a:r>
           </a:p>
           <a:p>
-            <a:pPr algn="just"/>
-            <a:r>
-              <a:rPr lang="en-US" sz="2400" dirty="0" err="1"/>
+            <a:r>
+              <a:rPr lang="en-US" dirty="0" err="1"/>
               <a:t>Utomo</a:t>
             </a:r>
             <a:r>
-              <a:rPr lang="en-US" sz="2400" dirty="0"/>
-              <a:t>, A. </a:t>
-            </a:r>
-            <a:r>
-              <a:rPr lang="en-US" sz="2400" dirty="0" err="1"/>
-              <a:t>Prasetyo</a:t>
-            </a:r>
-            <a:r>
-              <a:rPr lang="en-US" sz="2400" dirty="0"/>
-              <a:t>, </a:t>
-            </a:r>
-            <a:r>
-              <a:rPr lang="en-US" sz="2400" dirty="0" err="1"/>
-              <a:t>S.Kom</a:t>
-            </a:r>
-            <a:r>
-              <a:rPr lang="en-US" sz="2400" dirty="0"/>
-              <a:t>, M.M, </a:t>
-            </a:r>
-            <a:r>
-              <a:rPr lang="en-US" sz="2400" dirty="0" err="1"/>
-              <a:t>M.Kom</a:t>
-            </a:r>
-            <a:r>
-              <a:rPr lang="en-US" sz="2400" dirty="0"/>
+              <a:rPr lang="en-US" dirty="0"/>
+              <a:t>, A. P., &amp; </a:t>
+            </a:r>
+            <a:r>
+              <a:rPr lang="en-US" dirty="0" err="1"/>
+              <a:t>Sungkar</a:t>
+            </a:r>
+            <a:r>
+              <a:rPr lang="en-US" dirty="0"/>
+              <a:t>, I. I. (2014). </a:t>
+            </a:r>
+            <a:r>
+              <a:rPr lang="en-US" dirty="0" err="1"/>
+              <a:t>Analisis</a:t>
+            </a:r>
+            <a:r>
+              <a:rPr lang="en-US" dirty="0"/>
               <a:t> dan </a:t>
             </a:r>
             <a:r>
-              <a:rPr lang="en-US" sz="2400" dirty="0" err="1"/>
-              <a:t>Sungkar</a:t>
-            </a:r>
-            <a:r>
-              <a:rPr lang="en-US" sz="2400" dirty="0"/>
-              <a:t>, I. Ismail, </a:t>
-            </a:r>
-            <a:r>
-              <a:rPr lang="en-US" sz="2400" dirty="0" err="1"/>
-              <a:t>S.Kom</a:t>
-            </a:r>
-            <a:r>
-              <a:rPr lang="en-US" sz="2400" dirty="0"/>
-              <a:t>, </a:t>
-            </a:r>
-            <a:r>
-              <a:rPr lang="en-US" sz="2400" dirty="0" err="1"/>
-              <a:t>M.Kom</a:t>
-            </a:r>
-            <a:r>
-              <a:rPr lang="en-US" sz="2400" dirty="0"/>
-              <a:t>.  (2014). </a:t>
-            </a:r>
-            <a:r>
-              <a:rPr lang="en-US" sz="2400" dirty="0" err="1"/>
-              <a:t>Analisis</a:t>
-            </a:r>
-            <a:r>
-              <a:rPr lang="en-US" sz="2400" dirty="0"/>
-              <a:t> dan </a:t>
-            </a:r>
-            <a:r>
-              <a:rPr lang="en-US" sz="2400" dirty="0" err="1"/>
-              <a:t>Perancangan</a:t>
-            </a:r>
-            <a:r>
-              <a:rPr lang="en-US" sz="2400" dirty="0"/>
-              <a:t> Dashboard </a:t>
-            </a:r>
-            <a:r>
-              <a:rPr lang="en-US" sz="2400" dirty="0" err="1"/>
+              <a:rPr lang="en-US" dirty="0" err="1"/>
+              <a:t>perancangan</a:t>
+            </a:r>
+            <a:r>
+              <a:rPr lang="en-US" dirty="0"/>
+              <a:t> dashboard </a:t>
+            </a:r>
+            <a:r>
+              <a:rPr lang="en-US" dirty="0" err="1"/>
               <a:t>untuk</a:t>
             </a:r>
             <a:r>
-              <a:rPr lang="en-US" sz="2400" dirty="0"/>
-              <a:t> Monitoring dan </a:t>
-            </a:r>
-            <a:r>
-              <a:rPr lang="en-US" sz="2400" dirty="0" err="1"/>
-              <a:t>Evaluasi</a:t>
-            </a:r>
-            <a:r>
-              <a:rPr lang="en-US" sz="2400" dirty="0"/>
+              <a:rPr lang="en-US" dirty="0"/>
+              <a:t> monitoring dan </a:t>
+            </a:r>
+            <a:r>
+              <a:rPr lang="en-US" dirty="0" err="1"/>
+              <a:t>evaluasi</a:t>
+            </a:r>
+            <a:r>
+              <a:rPr lang="en-US" dirty="0"/>
               <a:t> </a:t>
             </a:r>
             <a:r>
-              <a:rPr lang="en-US" sz="2400" dirty="0" err="1"/>
-              <a:t>Pasien</a:t>
-            </a:r>
-            <a:r>
-              <a:rPr lang="en-US" sz="2400" dirty="0"/>
-              <a:t> Rawat </a:t>
-            </a:r>
-            <a:r>
-              <a:rPr lang="en-US" sz="2400" dirty="0" err="1"/>
-              <a:t>Inap</a:t>
-            </a:r>
-            <a:r>
-              <a:rPr lang="en-US" sz="2400" dirty="0"/>
+              <a:rPr lang="en-US" dirty="0" err="1"/>
+              <a:t>pasien</a:t>
+            </a:r>
+            <a:r>
+              <a:rPr lang="en-US" dirty="0"/>
+              <a:t> </a:t>
+            </a:r>
+            <a:r>
+              <a:rPr lang="en-US" dirty="0" err="1"/>
+              <a:t>rawat</a:t>
+            </a:r>
+            <a:r>
+              <a:rPr lang="en-US" dirty="0"/>
+              <a:t> </a:t>
+            </a:r>
+            <a:r>
+              <a:rPr lang="en-US" dirty="0" err="1"/>
+              <a:t>inap</a:t>
+            </a:r>
+            <a:r>
+              <a:rPr lang="en-US" dirty="0"/>
               <a:t>. </a:t>
+            </a:r>
+            <a:r>
+              <a:rPr lang="en-US" i="1" dirty="0" err="1"/>
+              <a:t>Prosiding</a:t>
+            </a:r>
+            <a:r>
+              <a:rPr lang="en-US" i="1" dirty="0"/>
+              <a:t> Mathematics and Science Forum</a:t>
+            </a:r>
+            <a:r>
+              <a:rPr lang="en-US" dirty="0"/>
+              <a:t>, (pp. 145-152).</a:t>
             </a:r>
           </a:p>
           <a:p>
-            <a:pPr algn="just"/>
-            <a:r>
-              <a:rPr lang="en-US" sz="2400" dirty="0"/>
-              <a:t>Lay, F. </a:t>
-            </a:r>
-            <a:r>
-              <a:rPr lang="en-US" sz="2400" dirty="0" err="1"/>
-              <a:t>Andrean</a:t>
-            </a:r>
-            <a:r>
-              <a:rPr lang="en-US" sz="2400" dirty="0"/>
-              <a:t>. (2018). </a:t>
-            </a:r>
-            <a:r>
-              <a:rPr lang="en-US" sz="2400" dirty="0" err="1"/>
-              <a:t>Rancangan</a:t>
-            </a:r>
-            <a:r>
-              <a:rPr lang="en-US" sz="2400" dirty="0"/>
+            <a:r>
+              <a:rPr lang="en-US" dirty="0"/>
+              <a:t>Lay, F. A. (2018). </a:t>
+            </a:r>
+            <a:r>
+              <a:rPr lang="en-US" i="1" dirty="0" err="1"/>
+              <a:t>Rancang</a:t>
+            </a:r>
+            <a:r>
+              <a:rPr lang="en-US" i="1" dirty="0"/>
               <a:t> </a:t>
             </a:r>
             <a:r>
-              <a:rPr lang="en-US" sz="2400" dirty="0" err="1"/>
-              <a:t>Bangun</a:t>
-            </a:r>
-            <a:r>
-              <a:rPr lang="en-US" sz="2400" dirty="0"/>
+              <a:rPr lang="en-US" i="1" dirty="0" err="1"/>
+              <a:t>bangun</a:t>
+            </a:r>
+            <a:r>
+              <a:rPr lang="en-US" i="1" dirty="0"/>
               <a:t> </a:t>
             </a:r>
             <a:r>
-              <a:rPr lang="en-US" sz="2400" dirty="0" err="1"/>
-              <a:t>Aplikasi</a:t>
-            </a:r>
-            <a:r>
-              <a:rPr lang="en-US" sz="2400" dirty="0"/>
-              <a:t> Monitoring dan </a:t>
-            </a:r>
-            <a:r>
-              <a:rPr lang="en-US" sz="2400" dirty="0" err="1"/>
-              <a:t>Evaluasi</a:t>
-            </a:r>
-            <a:r>
-              <a:rPr lang="en-US" sz="2400" dirty="0"/>
+              <a:rPr lang="en-US" i="1" dirty="0" err="1"/>
+              <a:t>aplikasi</a:t>
+            </a:r>
+            <a:r>
+              <a:rPr lang="en-US" i="1" dirty="0"/>
+              <a:t> monitoring dan </a:t>
+            </a:r>
+            <a:r>
+              <a:rPr lang="en-US" i="1" dirty="0" err="1"/>
+              <a:t>evaluasi</a:t>
+            </a:r>
+            <a:r>
+              <a:rPr lang="en-US" i="1" dirty="0"/>
               <a:t> </a:t>
             </a:r>
             <a:r>
-              <a:rPr lang="en-US" sz="2400" dirty="0" err="1"/>
-              <a:t>Pelanggaran</a:t>
-            </a:r>
-            <a:r>
-              <a:rPr lang="en-US" sz="2400" dirty="0"/>
+              <a:rPr lang="en-US" i="1" dirty="0" err="1"/>
+              <a:t>pelanggaran</a:t>
+            </a:r>
+            <a:r>
+              <a:rPr lang="en-US" i="1" dirty="0"/>
               <a:t> </a:t>
             </a:r>
             <a:r>
-              <a:rPr lang="en-US" sz="2400" dirty="0" err="1"/>
-              <a:t>Siswa</a:t>
-            </a:r>
-            <a:r>
-              <a:rPr lang="en-US" sz="2400" dirty="0"/>
-              <a:t> Pada SMAN 14 Surabaya </a:t>
-            </a:r>
-            <a:r>
-              <a:rPr lang="en-US" sz="2400" dirty="0" err="1"/>
-              <a:t>Berbasis</a:t>
-            </a:r>
-            <a:r>
-              <a:rPr lang="en-US" sz="2400" dirty="0"/>
-              <a:t> Web</a:t>
-            </a:r>
-          </a:p>
-          <a:p>
-            <a:pPr marL="0" indent="0" algn="just">
-              <a:buNone/>
-            </a:pPr>
-            <a:endParaRPr lang="en-US" sz="2400" dirty="0"/>
-          </a:p>
-          <a:p>
-            <a:pPr algn="just"/>
-            <a:endParaRPr lang="en-US" sz="2400" dirty="0"/>
+              <a:rPr lang="en-US" i="1" dirty="0" err="1"/>
+              <a:t>siswa</a:t>
+            </a:r>
+            <a:r>
+              <a:rPr lang="en-US" i="1" dirty="0"/>
+              <a:t> pada </a:t>
+            </a:r>
+            <a:r>
+              <a:rPr lang="en-US" i="1" dirty="0" err="1"/>
+              <a:t>sman</a:t>
+            </a:r>
+            <a:r>
+              <a:rPr lang="en-US" i="1" dirty="0"/>
+              <a:t> 14 </a:t>
+            </a:r>
+            <a:r>
+              <a:rPr lang="en-US" i="1" dirty="0" err="1"/>
+              <a:t>surabaya</a:t>
+            </a:r>
+            <a:r>
+              <a:rPr lang="en-US" i="1" dirty="0"/>
+              <a:t> </a:t>
+            </a:r>
+            <a:r>
+              <a:rPr lang="en-US" i="1" dirty="0" err="1"/>
+              <a:t>berbasis</a:t>
+            </a:r>
+            <a:r>
+              <a:rPr lang="en-US" i="1" dirty="0"/>
+              <a:t> web.</a:t>
+            </a:r>
+            <a:r>
+              <a:rPr lang="en-US" dirty="0"/>
+              <a:t> </a:t>
+            </a:r>
+            <a:r>
+              <a:rPr lang="en-US" dirty="0" err="1"/>
+              <a:t>Skripsi</a:t>
+            </a:r>
+            <a:r>
+              <a:rPr lang="en-US" dirty="0"/>
+              <a:t> </a:t>
+            </a:r>
+            <a:r>
+              <a:rPr lang="en-US" dirty="0" err="1"/>
+              <a:t>Sarjana</a:t>
+            </a:r>
+            <a:r>
+              <a:rPr lang="en-US" dirty="0"/>
+              <a:t> Strata Satu (S1), </a:t>
+            </a:r>
+            <a:r>
+              <a:rPr lang="en-US" dirty="0" err="1"/>
+              <a:t>Institut</a:t>
+            </a:r>
+            <a:r>
+              <a:rPr lang="en-US" dirty="0"/>
+              <a:t> </a:t>
+            </a:r>
+            <a:r>
+              <a:rPr lang="en-US" dirty="0" err="1"/>
+              <a:t>Bisnis</a:t>
+            </a:r>
+            <a:r>
+              <a:rPr lang="en-US" dirty="0"/>
+              <a:t> dan </a:t>
+            </a:r>
+            <a:r>
+              <a:rPr lang="en-US" dirty="0" err="1"/>
+              <a:t>Informatika</a:t>
+            </a:r>
+            <a:r>
+              <a:rPr lang="en-US" dirty="0"/>
+              <a:t> STIKOM Surabaya, </a:t>
+            </a:r>
+            <a:r>
+              <a:rPr lang="en-US" dirty="0" err="1"/>
+              <a:t>Fakultas</a:t>
+            </a:r>
+            <a:r>
+              <a:rPr lang="en-US" dirty="0"/>
+              <a:t> </a:t>
+            </a:r>
+            <a:r>
+              <a:rPr lang="en-US" dirty="0" err="1"/>
+              <a:t>Teknologi</a:t>
+            </a:r>
+            <a:r>
+              <a:rPr lang="en-US" dirty="0"/>
+              <a:t> dan </a:t>
+            </a:r>
+            <a:r>
+              <a:rPr lang="en-US" dirty="0" err="1"/>
+              <a:t>Informatika</a:t>
+            </a:r>
+            <a:r>
+              <a:rPr lang="en-US" dirty="0"/>
+              <a:t>.</a:t>
+            </a:r>
+            <a:endParaRPr lang="en-ID" dirty="0"/>
           </a:p>
         </p:txBody>
       </p:sp>
